--- a/digital_marketing_campaigns.pptx
+++ b/digital_marketing_campaigns.pptx
@@ -5,39 +5,40 @@
     <p:sldMasterId id="2147483648" r:id="rId1"/>
   </p:sldMasterIdLst>
   <p:notesMasterIdLst>
-    <p:notesMasterId r:id="rId16"/>
+    <p:notesMasterId r:id="rId17"/>
   </p:notesMasterIdLst>
   <p:sldIdLst>
     <p:sldId id="256" r:id="rId2"/>
     <p:sldId id="257" r:id="rId3"/>
     <p:sldId id="258" r:id="rId4"/>
-    <p:sldId id="266" r:id="rId5"/>
-    <p:sldId id="267" r:id="rId6"/>
-    <p:sldId id="268" r:id="rId7"/>
-    <p:sldId id="269" r:id="rId8"/>
-    <p:sldId id="270" r:id="rId9"/>
-    <p:sldId id="273" r:id="rId10"/>
-    <p:sldId id="274" r:id="rId11"/>
-    <p:sldId id="262" r:id="rId12"/>
-    <p:sldId id="271" r:id="rId13"/>
-    <p:sldId id="272" r:id="rId14"/>
-    <p:sldId id="261" r:id="rId15"/>
+    <p:sldId id="275" r:id="rId5"/>
+    <p:sldId id="266" r:id="rId6"/>
+    <p:sldId id="267" r:id="rId7"/>
+    <p:sldId id="268" r:id="rId8"/>
+    <p:sldId id="269" r:id="rId9"/>
+    <p:sldId id="270" r:id="rId10"/>
+    <p:sldId id="273" r:id="rId11"/>
+    <p:sldId id="274" r:id="rId12"/>
+    <p:sldId id="262" r:id="rId13"/>
+    <p:sldId id="271" r:id="rId14"/>
+    <p:sldId id="272" r:id="rId15"/>
+    <p:sldId id="261" r:id="rId16"/>
   </p:sldIdLst>
   <p:sldSz cx="18288000" cy="10287000"/>
   <p:notesSz cx="6858000" cy="9144000"/>
   <p:embeddedFontLst>
     <p:embeddedFont>
       <p:font typeface="Montserrat Bold" panose="020B0604020202020204" charset="0"/>
-      <p:regular r:id="rId17"/>
+      <p:regular r:id="rId18"/>
     </p:embeddedFont>
     <p:embeddedFont>
       <p:font typeface="Montserrat Medium" panose="00000600000000000000" pitchFamily="2" charset="0"/>
-      <p:regular r:id="rId18"/>
-      <p:italic r:id="rId19"/>
+      <p:regular r:id="rId19"/>
+      <p:italic r:id="rId20"/>
     </p:embeddedFont>
     <p:embeddedFont>
       <p:font typeface="Montserrat Ultra-Bold" panose="020B0604020202020204" charset="0"/>
-      <p:regular r:id="rId20"/>
+      <p:regular r:id="rId21"/>
     </p:embeddedFont>
   </p:embeddedFontLst>
   <p:defaultTextStyle>
@@ -236,7 +237,7 @@
           <a:p>
             <a:fld id="{C72EE679-F439-463D-A060-67004CD191F4}" type="datetimeFigureOut">
               <a:rPr lang="en-US" smtClean="0"/>
-              <a:t>7/26/2024</a:t>
+              <a:t>10/29/2024</a:t>
             </a:fld>
             <a:endParaRPr lang="en-US"/>
           </a:p>
@@ -568,7 +569,7 @@
           <a:p>
             <a:fld id="{08294D63-C308-4CDE-8F81-B2462CE09C7A}" type="slidenum">
               <a:rPr lang="en-US" smtClean="0"/>
-              <a:t>4</a:t>
+              <a:t>5</a:t>
             </a:fld>
             <a:endParaRPr lang="en-US"/>
           </a:p>
@@ -652,7 +653,7 @@
           <a:p>
             <a:fld id="{08294D63-C308-4CDE-8F81-B2462CE09C7A}" type="slidenum">
               <a:rPr lang="en-US" smtClean="0"/>
-              <a:t>5</a:t>
+              <a:t>6</a:t>
             </a:fld>
             <a:endParaRPr lang="en-US"/>
           </a:p>
@@ -736,7 +737,7 @@
           <a:p>
             <a:fld id="{08294D63-C308-4CDE-8F81-B2462CE09C7A}" type="slidenum">
               <a:rPr lang="en-US" smtClean="0"/>
-              <a:t>6</a:t>
+              <a:t>7</a:t>
             </a:fld>
             <a:endParaRPr lang="en-US"/>
           </a:p>
@@ -820,7 +821,7 @@
           <a:p>
             <a:fld id="{08294D63-C308-4CDE-8F81-B2462CE09C7A}" type="slidenum">
               <a:rPr lang="en-US" smtClean="0"/>
-              <a:t>7</a:t>
+              <a:t>8</a:t>
             </a:fld>
             <a:endParaRPr lang="en-US"/>
           </a:p>
@@ -904,7 +905,7 @@
           <a:p>
             <a:fld id="{08294D63-C308-4CDE-8F81-B2462CE09C7A}" type="slidenum">
               <a:rPr lang="en-US" smtClean="0"/>
-              <a:t>8</a:t>
+              <a:t>9</a:t>
             </a:fld>
             <a:endParaRPr lang="en-US"/>
           </a:p>
@@ -1103,7 +1104,7 @@
             <a:fld id="{1D8BD707-D9CF-40AE-B4C6-C98DA3205C09}" type="datetimeFigureOut">
               <a:rPr lang="en-US" smtClean="0"/>
               <a:pPr/>
-              <a:t>7/26/2024</a:t>
+              <a:t>10/29/2024</a:t>
             </a:fld>
             <a:endParaRPr lang="en-US"/>
           </a:p>
@@ -1268,7 +1269,7 @@
             <a:fld id="{1D8BD707-D9CF-40AE-B4C6-C98DA3205C09}" type="datetimeFigureOut">
               <a:rPr lang="en-US" smtClean="0"/>
               <a:pPr/>
-              <a:t>7/26/2024</a:t>
+              <a:t>10/29/2024</a:t>
             </a:fld>
             <a:endParaRPr lang="en-US"/>
           </a:p>
@@ -1443,7 +1444,7 @@
             <a:fld id="{1D8BD707-D9CF-40AE-B4C6-C98DA3205C09}" type="datetimeFigureOut">
               <a:rPr lang="en-US" smtClean="0"/>
               <a:pPr/>
-              <a:t>7/26/2024</a:t>
+              <a:t>10/29/2024</a:t>
             </a:fld>
             <a:endParaRPr lang="en-US"/>
           </a:p>
@@ -1608,7 +1609,7 @@
             <a:fld id="{1D8BD707-D9CF-40AE-B4C6-C98DA3205C09}" type="datetimeFigureOut">
               <a:rPr lang="en-US" smtClean="0"/>
               <a:pPr/>
-              <a:t>7/26/2024</a:t>
+              <a:t>10/29/2024</a:t>
             </a:fld>
             <a:endParaRPr lang="en-US"/>
           </a:p>
@@ -1850,7 +1851,7 @@
             <a:fld id="{1D8BD707-D9CF-40AE-B4C6-C98DA3205C09}" type="datetimeFigureOut">
               <a:rPr lang="en-US" smtClean="0"/>
               <a:pPr/>
-              <a:t>7/26/2024</a:t>
+              <a:t>10/29/2024</a:t>
             </a:fld>
             <a:endParaRPr lang="en-US"/>
           </a:p>
@@ -2132,7 +2133,7 @@
             <a:fld id="{1D8BD707-D9CF-40AE-B4C6-C98DA3205C09}" type="datetimeFigureOut">
               <a:rPr lang="en-US" smtClean="0"/>
               <a:pPr/>
-              <a:t>7/26/2024</a:t>
+              <a:t>10/29/2024</a:t>
             </a:fld>
             <a:endParaRPr lang="en-US"/>
           </a:p>
@@ -2548,7 +2549,7 @@
             <a:fld id="{1D8BD707-D9CF-40AE-B4C6-C98DA3205C09}" type="datetimeFigureOut">
               <a:rPr lang="en-US" smtClean="0"/>
               <a:pPr/>
-              <a:t>7/26/2024</a:t>
+              <a:t>10/29/2024</a:t>
             </a:fld>
             <a:endParaRPr lang="en-US"/>
           </a:p>
@@ -2662,7 +2663,7 @@
             <a:fld id="{1D8BD707-D9CF-40AE-B4C6-C98DA3205C09}" type="datetimeFigureOut">
               <a:rPr lang="en-US" smtClean="0"/>
               <a:pPr/>
-              <a:t>7/26/2024</a:t>
+              <a:t>10/29/2024</a:t>
             </a:fld>
             <a:endParaRPr lang="en-US"/>
           </a:p>
@@ -2754,7 +2755,7 @@
             <a:fld id="{1D8BD707-D9CF-40AE-B4C6-C98DA3205C09}" type="datetimeFigureOut">
               <a:rPr lang="en-US" smtClean="0"/>
               <a:pPr/>
-              <a:t>7/26/2024</a:t>
+              <a:t>10/29/2024</a:t>
             </a:fld>
             <a:endParaRPr lang="en-US"/>
           </a:p>
@@ -3026,7 +3027,7 @@
             <a:fld id="{1D8BD707-D9CF-40AE-B4C6-C98DA3205C09}" type="datetimeFigureOut">
               <a:rPr lang="en-US" smtClean="0"/>
               <a:pPr/>
-              <a:t>7/26/2024</a:t>
+              <a:t>10/29/2024</a:t>
             </a:fld>
             <a:endParaRPr lang="en-US"/>
           </a:p>
@@ -3275,7 +3276,7 @@
             <a:fld id="{1D8BD707-D9CF-40AE-B4C6-C98DA3205C09}" type="datetimeFigureOut">
               <a:rPr lang="en-US" smtClean="0"/>
               <a:pPr/>
-              <a:t>7/26/2024</a:t>
+              <a:t>10/29/2024</a:t>
             </a:fld>
             <a:endParaRPr lang="en-US"/>
           </a:p>
@@ -3483,7 +3484,7 @@
             <a:fld id="{1D8BD707-D9CF-40AE-B4C6-C98DA3205C09}" type="datetimeFigureOut">
               <a:rPr lang="en-US" smtClean="0"/>
               <a:pPr/>
-              <a:t>7/26/2024</a:t>
+              <a:t>10/29/2024</a:t>
             </a:fld>
             <a:endParaRPr lang="en-US"/>
           </a:p>
@@ -4547,6 +4548,484 @@
         </p:nvSpPr>
         <p:spPr>
           <a:xfrm>
+            <a:off x="1344737" y="382230"/>
+            <a:ext cx="8210545" cy="936625"/>
+          </a:xfrm>
+          <a:prstGeom prst="rect">
+            <a:avLst/>
+          </a:prstGeom>
+        </p:spPr>
+        <p:txBody>
+          <a:bodyPr lIns="0" tIns="0" rIns="0" bIns="0" rtlCol="0" anchor="t">
+            <a:spAutoFit/>
+          </a:bodyPr>
+          <a:lstStyle/>
+          <a:p>
+            <a:pPr algn="l">
+              <a:lnSpc>
+                <a:spcPts val="7699"/>
+              </a:lnSpc>
+            </a:pPr>
+            <a:r>
+              <a:rPr lang="en-US" sz="5499" dirty="0">
+                <a:solidFill>
+                  <a:srgbClr val="24508C"/>
+                </a:solidFill>
+                <a:latin typeface="Montserrat Ultra-Bold"/>
+                <a:ea typeface="Montserrat Ultra-Bold"/>
+                <a:cs typeface="Montserrat Ultra-Bold"/>
+                <a:sym typeface="Montserrat Ultra-Bold"/>
+              </a:rPr>
+              <a:t>DASHBOARD</a:t>
+            </a:r>
+          </a:p>
+        </p:txBody>
+      </p:sp>
+      <p:grpSp>
+        <p:nvGrpSpPr>
+          <p:cNvPr id="16" name="Group 16"/>
+          <p:cNvGrpSpPr/>
+          <p:nvPr/>
+        </p:nvGrpSpPr>
+        <p:grpSpPr>
+          <a:xfrm>
+            <a:off x="15360148" y="-2923420"/>
+            <a:ext cx="4903912" cy="4903912"/>
+            <a:chOff x="0" y="0"/>
+            <a:chExt cx="812800" cy="812800"/>
+          </a:xfrm>
+        </p:grpSpPr>
+        <p:sp>
+          <p:nvSpPr>
+            <p:cNvPr id="17" name="Freeform 17"/>
+            <p:cNvSpPr/>
+            <p:nvPr/>
+          </p:nvSpPr>
+          <p:spPr>
+            <a:xfrm>
+              <a:off x="0" y="0"/>
+              <a:ext cx="812800" cy="812800"/>
+            </a:xfrm>
+            <a:custGeom>
+              <a:avLst/>
+              <a:gdLst/>
+              <a:ahLst/>
+              <a:cxnLst/>
+              <a:rect l="l" t="t" r="r" b="b"/>
+              <a:pathLst>
+                <a:path w="812800" h="812800">
+                  <a:moveTo>
+                    <a:pt x="406400" y="0"/>
+                  </a:moveTo>
+                  <a:cubicBezTo>
+                    <a:pt x="181951" y="0"/>
+                    <a:pt x="0" y="181951"/>
+                    <a:pt x="0" y="406400"/>
+                  </a:cubicBezTo>
+                  <a:cubicBezTo>
+                    <a:pt x="0" y="630849"/>
+                    <a:pt x="181951" y="812800"/>
+                    <a:pt x="406400" y="812800"/>
+                  </a:cubicBezTo>
+                  <a:cubicBezTo>
+                    <a:pt x="630849" y="812800"/>
+                    <a:pt x="812800" y="630849"/>
+                    <a:pt x="812800" y="406400"/>
+                  </a:cubicBezTo>
+                  <a:cubicBezTo>
+                    <a:pt x="812800" y="181951"/>
+                    <a:pt x="630849" y="0"/>
+                    <a:pt x="406400" y="0"/>
+                  </a:cubicBezTo>
+                  <a:close/>
+                </a:path>
+              </a:pathLst>
+            </a:custGeom>
+            <a:solidFill>
+              <a:srgbClr val="24508C"/>
+            </a:solidFill>
+          </p:spPr>
+          <p:txBody>
+            <a:bodyPr/>
+            <a:lstStyle/>
+            <a:p>
+              <a:endParaRPr lang="en-US"/>
+            </a:p>
+          </p:txBody>
+        </p:sp>
+        <p:sp>
+          <p:nvSpPr>
+            <p:cNvPr id="18" name="TextBox 18"/>
+            <p:cNvSpPr txBox="1"/>
+            <p:nvPr/>
+          </p:nvSpPr>
+          <p:spPr>
+            <a:xfrm>
+              <a:off x="76200" y="38100"/>
+              <a:ext cx="660400" cy="698500"/>
+            </a:xfrm>
+            <a:prstGeom prst="rect">
+              <a:avLst/>
+            </a:prstGeom>
+          </p:spPr>
+          <p:txBody>
+            <a:bodyPr lIns="50800" tIns="50800" rIns="50800" bIns="50800" rtlCol="0" anchor="ctr"/>
+            <a:lstStyle/>
+            <a:p>
+              <a:pPr algn="ctr">
+                <a:lnSpc>
+                  <a:spcPts val="3359"/>
+                </a:lnSpc>
+              </a:pPr>
+              <a:endParaRPr/>
+            </a:p>
+          </p:txBody>
+        </p:sp>
+      </p:grpSp>
+      <p:sp>
+        <p:nvSpPr>
+          <p:cNvPr id="10" name="TextBox 9">
+            <a:extLst>
+              <a:ext uri="{FF2B5EF4-FFF2-40B4-BE49-F238E27FC236}">
+                <a16:creationId xmlns:a16="http://schemas.microsoft.com/office/drawing/2014/main" id="{140FAEEE-5C5E-15F3-C45D-7E59743EECC4}"/>
+              </a:ext>
+            </a:extLst>
+          </p:cNvPr>
+          <p:cNvSpPr txBox="1"/>
+          <p:nvPr/>
+        </p:nvSpPr>
+        <p:spPr>
+          <a:xfrm>
+            <a:off x="235190" y="8213238"/>
+            <a:ext cx="16376410" cy="534185"/>
+          </a:xfrm>
+          <a:prstGeom prst="rect">
+            <a:avLst/>
+          </a:prstGeom>
+          <a:noFill/>
+        </p:spPr>
+        <p:txBody>
+          <a:bodyPr wrap="square" rtlCol="0">
+            <a:spAutoFit/>
+          </a:bodyPr>
+          <a:lstStyle/>
+          <a:p>
+            <a:pPr marL="742950" marR="0" lvl="1" indent="-285750">
+              <a:lnSpc>
+                <a:spcPct val="107000"/>
+              </a:lnSpc>
+              <a:spcBef>
+                <a:spcPts val="0"/>
+              </a:spcBef>
+              <a:spcAft>
+                <a:spcPts val="800"/>
+              </a:spcAft>
+              <a:buSzPts val="1000"/>
+              <a:buFont typeface="Courier New" panose="02070309020205020404" pitchFamily="49" charset="0"/>
+              <a:buChar char="o"/>
+              <a:tabLst>
+                <a:tab pos="914400" algn="l"/>
+              </a:tabLst>
+            </a:pPr>
+            <a:r>
+              <a:rPr lang="en-US" sz="2800" b="1" kern="100" dirty="0">
+                <a:solidFill>
+                  <a:schemeClr val="accent1">
+                    <a:lumMod val="50000"/>
+                  </a:schemeClr>
+                </a:solidFill>
+                <a:effectLst/>
+                <a:latin typeface="Aptos" panose="020B0004020202020204" pitchFamily="34" charset="0"/>
+                <a:ea typeface="Aptos" panose="020B0004020202020204" pitchFamily="34" charset="0"/>
+                <a:cs typeface="Times New Roman" panose="02020603050405020304" pitchFamily="18" charset="0"/>
+              </a:rPr>
+              <a:t>Insight</a:t>
+            </a:r>
+            <a:r>
+              <a:rPr lang="en-US" sz="2800" kern="100" dirty="0">
+                <a:solidFill>
+                  <a:schemeClr val="accent1">
+                    <a:lumMod val="50000"/>
+                  </a:schemeClr>
+                </a:solidFill>
+                <a:effectLst/>
+                <a:latin typeface="Aptos" panose="020B0004020202020204" pitchFamily="34" charset="0"/>
+                <a:ea typeface="Aptos" panose="020B0004020202020204" pitchFamily="34" charset="0"/>
+                <a:cs typeface="Times New Roman" panose="02020603050405020304" pitchFamily="18" charset="0"/>
+              </a:rPr>
+              <a:t>:  </a:t>
+            </a:r>
+            <a:r>
+              <a:rPr lang="ar-EG" sz="2800" kern="100" dirty="0">
+                <a:solidFill>
+                  <a:schemeClr val="accent1">
+                    <a:lumMod val="50000"/>
+                  </a:schemeClr>
+                </a:solidFill>
+                <a:effectLst/>
+                <a:latin typeface="Aptos" panose="020B0004020202020204" pitchFamily="34" charset="0"/>
+                <a:ea typeface="Aptos" panose="020B0004020202020204" pitchFamily="34" charset="0"/>
+                <a:cs typeface="Times New Roman" panose="02020603050405020304" pitchFamily="18" charset="0"/>
+              </a:rPr>
+              <a:t>3 </a:t>
+            </a:r>
+            <a:r>
+              <a:rPr lang="en-US" sz="2800" kern="100" dirty="0">
+                <a:solidFill>
+                  <a:schemeClr val="accent1">
+                    <a:lumMod val="50000"/>
+                  </a:schemeClr>
+                </a:solidFill>
+                <a:latin typeface="Aptos" panose="020B0004020202020204" pitchFamily="34" charset="0"/>
+                <a:ea typeface="Aptos" panose="020B0004020202020204" pitchFamily="34" charset="0"/>
+                <a:cs typeface="Times New Roman" panose="02020603050405020304" pitchFamily="18" charset="0"/>
+              </a:rPr>
+              <a:t>top companies sum of impressions don’t require the most cost per mile</a:t>
+            </a:r>
+            <a:endParaRPr lang="en-US" dirty="0">
+              <a:solidFill>
+                <a:schemeClr val="accent1">
+                  <a:lumMod val="50000"/>
+                </a:schemeClr>
+              </a:solidFill>
+            </a:endParaRPr>
+          </a:p>
+        </p:txBody>
+      </p:sp>
+      <p:grpSp>
+        <p:nvGrpSpPr>
+          <p:cNvPr id="11" name="Group 13"/>
+          <p:cNvGrpSpPr/>
+          <p:nvPr/>
+        </p:nvGrpSpPr>
+        <p:grpSpPr>
+          <a:xfrm>
+            <a:off x="-2286000" y="9318766"/>
+            <a:ext cx="3491438" cy="3122967"/>
+            <a:chOff x="0" y="0"/>
+            <a:chExt cx="908700" cy="812800"/>
+          </a:xfrm>
+        </p:grpSpPr>
+        <p:sp>
+          <p:nvSpPr>
+            <p:cNvPr id="12" name="Freeform 14"/>
+            <p:cNvSpPr/>
+            <p:nvPr/>
+          </p:nvSpPr>
+          <p:spPr>
+            <a:xfrm>
+              <a:off x="0" y="0"/>
+              <a:ext cx="908700" cy="812800"/>
+            </a:xfrm>
+            <a:custGeom>
+              <a:avLst/>
+              <a:gdLst/>
+              <a:ahLst/>
+              <a:cxnLst/>
+              <a:rect l="l" t="t" r="r" b="b"/>
+              <a:pathLst>
+                <a:path w="908700" h="812800">
+                  <a:moveTo>
+                    <a:pt x="454350" y="0"/>
+                  </a:moveTo>
+                  <a:cubicBezTo>
+                    <a:pt x="203420" y="0"/>
+                    <a:pt x="0" y="181951"/>
+                    <a:pt x="0" y="406400"/>
+                  </a:cubicBezTo>
+                  <a:cubicBezTo>
+                    <a:pt x="0" y="630849"/>
+                    <a:pt x="203420" y="812800"/>
+                    <a:pt x="454350" y="812800"/>
+                  </a:cubicBezTo>
+                  <a:cubicBezTo>
+                    <a:pt x="705281" y="812800"/>
+                    <a:pt x="908700" y="630849"/>
+                    <a:pt x="908700" y="406400"/>
+                  </a:cubicBezTo>
+                  <a:cubicBezTo>
+                    <a:pt x="908700" y="181951"/>
+                    <a:pt x="705281" y="0"/>
+                    <a:pt x="454350" y="0"/>
+                  </a:cubicBezTo>
+                  <a:close/>
+                </a:path>
+              </a:pathLst>
+            </a:custGeom>
+            <a:solidFill>
+              <a:srgbClr val="24508C"/>
+            </a:solidFill>
+          </p:spPr>
+          <p:txBody>
+            <a:bodyPr/>
+            <a:lstStyle/>
+            <a:p>
+              <a:endParaRPr lang="en-US"/>
+            </a:p>
+          </p:txBody>
+        </p:sp>
+        <p:sp>
+          <p:nvSpPr>
+            <p:cNvPr id="19" name="TextBox 15"/>
+            <p:cNvSpPr txBox="1"/>
+            <p:nvPr/>
+          </p:nvSpPr>
+          <p:spPr>
+            <a:xfrm>
+              <a:off x="85191" y="38100"/>
+              <a:ext cx="738319" cy="698500"/>
+            </a:xfrm>
+            <a:prstGeom prst="rect">
+              <a:avLst/>
+            </a:prstGeom>
+          </p:spPr>
+          <p:txBody>
+            <a:bodyPr lIns="50800" tIns="50800" rIns="50800" bIns="50800" rtlCol="0" anchor="ctr"/>
+            <a:lstStyle/>
+            <a:p>
+              <a:pPr algn="ctr">
+                <a:lnSpc>
+                  <a:spcPts val="3359"/>
+                </a:lnSpc>
+              </a:pPr>
+              <a:endParaRPr/>
+            </a:p>
+          </p:txBody>
+        </p:sp>
+      </p:grpSp>
+      <p:pic>
+        <p:nvPicPr>
+          <p:cNvPr id="6" name="Picture 5" descr="A screenshot of a computer screen&#10;&#10;Description automatically generated">
+            <a:extLst>
+              <a:ext uri="{FF2B5EF4-FFF2-40B4-BE49-F238E27FC236}">
+                <a16:creationId xmlns:a16="http://schemas.microsoft.com/office/drawing/2014/main" id="{53F6FF7B-886E-A99D-72B8-51F7445A557F}"/>
+              </a:ext>
+            </a:extLst>
+          </p:cNvPr>
+          <p:cNvPicPr>
+            <a:picLocks noChangeAspect="1"/>
+          </p:cNvPicPr>
+          <p:nvPr/>
+        </p:nvPicPr>
+        <p:blipFill>
+          <a:blip r:embed="rId4">
+            <a:extLst>
+              <a:ext uri="{28A0092B-C50C-407E-A947-70E740481C1C}">
+                <a14:useLocalDpi xmlns:a14="http://schemas.microsoft.com/office/drawing/2010/main" val="0"/>
+              </a:ext>
+            </a:extLst>
+          </a:blip>
+          <a:srcRect t="50000"/>
+          <a:stretch/>
+        </p:blipFill>
+        <p:spPr>
+          <a:xfrm>
+            <a:off x="128537" y="1514941"/>
+            <a:ext cx="13557010" cy="6712965"/>
+          </a:xfrm>
+          <a:prstGeom prst="rect">
+            <a:avLst/>
+          </a:prstGeom>
+        </p:spPr>
+      </p:pic>
+    </p:spTree>
+    <p:extLst>
+      <p:ext uri="{BB962C8B-B14F-4D97-AF65-F5344CB8AC3E}">
+        <p14:creationId xmlns:p14="http://schemas.microsoft.com/office/powerpoint/2010/main" val="1300306426"/>
+      </p:ext>
+    </p:extLst>
+  </p:cSld>
+  <p:clrMapOvr>
+    <a:masterClrMapping/>
+  </p:clrMapOvr>
+</p:sld>
+</file>
+
+<file path=ppt/slides/slide11.xml><?xml version="1.0" encoding="utf-8"?>
+<p:sld xmlns:a="http://schemas.openxmlformats.org/drawingml/2006/main" xmlns:r="http://schemas.openxmlformats.org/officeDocument/2006/relationships" xmlns:p="http://schemas.openxmlformats.org/presentationml/2006/main">
+  <p:cSld>
+    <p:spTree>
+      <p:nvGrpSpPr>
+        <p:cNvPr id="1" name=""/>
+        <p:cNvGrpSpPr/>
+        <p:nvPr/>
+      </p:nvGrpSpPr>
+      <p:grpSpPr>
+        <a:xfrm>
+          <a:off x="0" y="0"/>
+          <a:ext cx="0" cy="0"/>
+          <a:chOff x="0" y="0"/>
+          <a:chExt cx="0" cy="0"/>
+        </a:xfrm>
+      </p:grpSpPr>
+      <p:sp>
+        <p:nvSpPr>
+          <p:cNvPr id="5" name="Freeform 5"/>
+          <p:cNvSpPr/>
+          <p:nvPr/>
+        </p:nvSpPr>
+        <p:spPr>
+          <a:xfrm>
+            <a:off x="9694581" y="-723900"/>
+            <a:ext cx="10233664" cy="10233664"/>
+          </a:xfrm>
+          <a:custGeom>
+            <a:avLst/>
+            <a:gdLst/>
+            <a:ahLst/>
+            <a:cxnLst/>
+            <a:rect l="l" t="t" r="r" b="b"/>
+            <a:pathLst>
+              <a:path w="10233664" h="10233664">
+                <a:moveTo>
+                  <a:pt x="0" y="0"/>
+                </a:moveTo>
+                <a:lnTo>
+                  <a:pt x="10233664" y="0"/>
+                </a:lnTo>
+                <a:lnTo>
+                  <a:pt x="10233664" y="10233664"/>
+                </a:lnTo>
+                <a:lnTo>
+                  <a:pt x="0" y="10233664"/>
+                </a:lnTo>
+                <a:lnTo>
+                  <a:pt x="0" y="0"/>
+                </a:lnTo>
+                <a:close/>
+              </a:path>
+            </a:pathLst>
+          </a:custGeom>
+          <a:blipFill>
+            <a:blip r:embed="rId2">
+              <a:alphaModFix amt="12000"/>
+              <a:extLst>
+                <a:ext uri="{96DAC541-7B7A-43D3-8B79-37D633B846F1}">
+                  <asvg:svgBlip xmlns:asvg="http://schemas.microsoft.com/office/drawing/2016/SVG/main" r:embed="rId3"/>
+                </a:ext>
+              </a:extLst>
+            </a:blip>
+            <a:stretch>
+              <a:fillRect/>
+            </a:stretch>
+          </a:blipFill>
+        </p:spPr>
+        <p:txBody>
+          <a:bodyPr/>
+          <a:lstStyle/>
+          <a:p>
+            <a:endParaRPr lang="en-US"/>
+          </a:p>
+        </p:txBody>
+      </p:sp>
+      <p:sp>
+        <p:nvSpPr>
+          <p:cNvPr id="7" name="TextBox 7"/>
+          <p:cNvSpPr txBox="1"/>
+          <p:nvPr/>
+        </p:nvSpPr>
+        <p:spPr>
+          <a:xfrm>
             <a:off x="1024295" y="167201"/>
             <a:ext cx="14901505" cy="914802"/>
           </a:xfrm>
@@ -4980,10 +5459,10 @@
       </p:sp>
       <p:pic>
         <p:nvPicPr>
-          <p:cNvPr id="4" name="Picture 3">
+          <p:cNvPr id="3" name="Picture 2">
             <a:extLst>
               <a:ext uri="{FF2B5EF4-FFF2-40B4-BE49-F238E27FC236}">
-                <a16:creationId xmlns:a16="http://schemas.microsoft.com/office/drawing/2014/main" id="{527AD5D2-07DF-6927-9418-469AFBAF5280}"/>
+                <a16:creationId xmlns:a16="http://schemas.microsoft.com/office/drawing/2014/main" id="{625DE18F-11E4-DFAB-DC6E-C415D0EC0711}"/>
               </a:ext>
             </a:extLst>
           </p:cNvPr>
@@ -4994,14 +5473,13 @@
         </p:nvPicPr>
         <p:blipFill>
           <a:blip r:embed="rId4"/>
-          <a:stretch>
-            <a:fillRect/>
-          </a:stretch>
+          <a:srcRect t="7084" r="4844" b="14501"/>
+          <a:stretch/>
         </p:blipFill>
         <p:spPr>
           <a:xfrm>
-            <a:off x="527788" y="1403346"/>
-            <a:ext cx="13879197" cy="5208562"/>
+            <a:off x="380999" y="1073249"/>
+            <a:ext cx="15127563" cy="5115542"/>
           </a:xfrm>
           <a:prstGeom prst="rect">
             <a:avLst/>
@@ -5021,7 +5499,7 @@
 </p:sld>
 </file>
 
-<file path=ppt/slides/slide11.xml><?xml version="1.0" encoding="utf-8"?>
+<file path=ppt/slides/slide12.xml><?xml version="1.0" encoding="utf-8"?>
 <p:sld xmlns:a="http://schemas.openxmlformats.org/drawingml/2006/main" xmlns:r="http://schemas.openxmlformats.org/officeDocument/2006/relationships" xmlns:p="http://schemas.openxmlformats.org/presentationml/2006/main">
   <p:cSld>
     <p:bg>
@@ -5424,7 +5902,7 @@
 </p:sld>
 </file>
 
-<file path=ppt/slides/slide12.xml><?xml version="1.0" encoding="utf-8"?>
+<file path=ppt/slides/slide13.xml><?xml version="1.0" encoding="utf-8"?>
 <p:sld xmlns:a="http://schemas.openxmlformats.org/drawingml/2006/main" xmlns:r="http://schemas.openxmlformats.org/officeDocument/2006/relationships" xmlns:p="http://schemas.openxmlformats.org/presentationml/2006/main">
   <p:cSld>
     <p:spTree>
@@ -5932,7 +6410,7 @@
 </p:sld>
 </file>
 
-<file path=ppt/slides/slide13.xml><?xml version="1.0" encoding="utf-8"?>
+<file path=ppt/slides/slide14.xml><?xml version="1.0" encoding="utf-8"?>
 <p:sld xmlns:a="http://schemas.openxmlformats.org/drawingml/2006/main" xmlns:r="http://schemas.openxmlformats.org/officeDocument/2006/relationships" xmlns:p="http://schemas.openxmlformats.org/presentationml/2006/main">
   <p:cSld>
     <p:spTree>
@@ -6352,7 +6830,7 @@
 </p:sld>
 </file>
 
-<file path=ppt/slides/slide14.xml><?xml version="1.0" encoding="utf-8"?>
+<file path=ppt/slides/slide15.xml><?xml version="1.0" encoding="utf-8"?>
 <p:sld xmlns:a="http://schemas.openxmlformats.org/drawingml/2006/main" xmlns:r="http://schemas.openxmlformats.org/officeDocument/2006/relationships" xmlns:p="http://schemas.openxmlformats.org/presentationml/2006/main">
   <p:cSld>
     <p:bg>
@@ -7650,10 +8128,10 @@
       </p:grpSp>
       <p:pic>
         <p:nvPicPr>
-          <p:cNvPr id="3" name="Picture 2">
+          <p:cNvPr id="8" name="Picture 7" descr="A group of blue and white squares with text&#10;&#10;Description automatically generated">
             <a:extLst>
               <a:ext uri="{FF2B5EF4-FFF2-40B4-BE49-F238E27FC236}">
-                <a16:creationId xmlns:a16="http://schemas.microsoft.com/office/drawing/2014/main" id="{225FB9D0-A213-E088-579C-BB1D3748CC23}"/>
+                <a16:creationId xmlns:a16="http://schemas.microsoft.com/office/drawing/2014/main" id="{61FF7B18-21F4-37DF-6A5F-25B70D621467}"/>
               </a:ext>
             </a:extLst>
           </p:cNvPr>
@@ -7663,15 +8141,21 @@
           <p:nvPr/>
         </p:nvPicPr>
         <p:blipFill>
-          <a:blip r:embed="rId4"/>
+          <a:blip r:embed="rId4">
+            <a:extLst>
+              <a:ext uri="{28A0092B-C50C-407E-A947-70E740481C1C}">
+                <a14:useLocalDpi xmlns:a14="http://schemas.microsoft.com/office/drawing/2010/main" val="0"/>
+              </a:ext>
+            </a:extLst>
+          </a:blip>
           <a:stretch>
             <a:fillRect/>
           </a:stretch>
         </p:blipFill>
         <p:spPr>
           <a:xfrm>
-            <a:off x="336717" y="1087777"/>
-            <a:ext cx="11049000" cy="9136369"/>
+            <a:off x="907556" y="1714500"/>
+            <a:ext cx="15780243" cy="7518462"/>
           </a:xfrm>
           <a:prstGeom prst="rect">
             <a:avLst/>
@@ -7687,6 +8171,429 @@
 </file>
 
 <file path=ppt/slides/slide4.xml><?xml version="1.0" encoding="utf-8"?>
+<p:sld xmlns:a="http://schemas.openxmlformats.org/drawingml/2006/main" xmlns:r="http://schemas.openxmlformats.org/officeDocument/2006/relationships" xmlns:p="http://schemas.openxmlformats.org/presentationml/2006/main">
+  <p:cSld>
+    <p:spTree>
+      <p:nvGrpSpPr>
+        <p:cNvPr id="1" name="">
+          <a:extLst>
+            <a:ext uri="{FF2B5EF4-FFF2-40B4-BE49-F238E27FC236}">
+              <a16:creationId xmlns:a16="http://schemas.microsoft.com/office/drawing/2014/main" id="{4EEC7027-01DB-96FC-2075-1D6A6D4C1CEC}"/>
+            </a:ext>
+          </a:extLst>
+        </p:cNvPr>
+        <p:cNvGrpSpPr/>
+        <p:nvPr/>
+      </p:nvGrpSpPr>
+      <p:grpSpPr>
+        <a:xfrm>
+          <a:off x="0" y="0"/>
+          <a:ext cx="0" cy="0"/>
+          <a:chOff x="0" y="0"/>
+          <a:chExt cx="0" cy="0"/>
+        </a:xfrm>
+      </p:grpSpPr>
+      <p:sp>
+        <p:nvSpPr>
+          <p:cNvPr id="5" name="Freeform 5">
+            <a:extLst>
+              <a:ext uri="{FF2B5EF4-FFF2-40B4-BE49-F238E27FC236}">
+                <a16:creationId xmlns:a16="http://schemas.microsoft.com/office/drawing/2014/main" id="{94169570-6B80-83BE-72F5-8383D1478B93}"/>
+              </a:ext>
+            </a:extLst>
+          </p:cNvPr>
+          <p:cNvSpPr/>
+          <p:nvPr/>
+        </p:nvSpPr>
+        <p:spPr>
+          <a:xfrm>
+            <a:off x="9694581" y="-723900"/>
+            <a:ext cx="10233664" cy="10233664"/>
+          </a:xfrm>
+          <a:custGeom>
+            <a:avLst/>
+            <a:gdLst/>
+            <a:ahLst/>
+            <a:cxnLst/>
+            <a:rect l="l" t="t" r="r" b="b"/>
+            <a:pathLst>
+              <a:path w="10233664" h="10233664">
+                <a:moveTo>
+                  <a:pt x="0" y="0"/>
+                </a:moveTo>
+                <a:lnTo>
+                  <a:pt x="10233664" y="0"/>
+                </a:lnTo>
+                <a:lnTo>
+                  <a:pt x="10233664" y="10233664"/>
+                </a:lnTo>
+                <a:lnTo>
+                  <a:pt x="0" y="10233664"/>
+                </a:lnTo>
+                <a:lnTo>
+                  <a:pt x="0" y="0"/>
+                </a:lnTo>
+                <a:close/>
+              </a:path>
+            </a:pathLst>
+          </a:custGeom>
+          <a:blipFill>
+            <a:blip r:embed="rId2">
+              <a:alphaModFix amt="12000"/>
+              <a:extLst>
+                <a:ext uri="{96DAC541-7B7A-43D3-8B79-37D633B846F1}">
+                  <asvg:svgBlip xmlns:asvg="http://schemas.microsoft.com/office/drawing/2016/SVG/main" r:embed="rId3"/>
+                </a:ext>
+              </a:extLst>
+            </a:blip>
+            <a:stretch>
+              <a:fillRect/>
+            </a:stretch>
+          </a:blipFill>
+        </p:spPr>
+        <p:txBody>
+          <a:bodyPr/>
+          <a:lstStyle/>
+          <a:p>
+            <a:endParaRPr lang="en-US"/>
+          </a:p>
+        </p:txBody>
+      </p:sp>
+      <p:sp>
+        <p:nvSpPr>
+          <p:cNvPr id="7" name="TextBox 7">
+            <a:extLst>
+              <a:ext uri="{FF2B5EF4-FFF2-40B4-BE49-F238E27FC236}">
+                <a16:creationId xmlns:a16="http://schemas.microsoft.com/office/drawing/2014/main" id="{DC66B81B-45FC-0575-F444-12693EAC96FD}"/>
+              </a:ext>
+            </a:extLst>
+          </p:cNvPr>
+          <p:cNvSpPr txBox="1"/>
+          <p:nvPr/>
+        </p:nvSpPr>
+        <p:spPr>
+          <a:xfrm>
+            <a:off x="1024295" y="4763"/>
+            <a:ext cx="8210545" cy="936625"/>
+          </a:xfrm>
+          <a:prstGeom prst="rect">
+            <a:avLst/>
+          </a:prstGeom>
+        </p:spPr>
+        <p:txBody>
+          <a:bodyPr lIns="0" tIns="0" rIns="0" bIns="0" rtlCol="0" anchor="t">
+            <a:spAutoFit/>
+          </a:bodyPr>
+          <a:lstStyle/>
+          <a:p>
+            <a:pPr algn="l">
+              <a:lnSpc>
+                <a:spcPts val="7699"/>
+              </a:lnSpc>
+            </a:pPr>
+            <a:r>
+              <a:rPr lang="en-US" sz="5499" dirty="0">
+                <a:solidFill>
+                  <a:srgbClr val="24508C"/>
+                </a:solidFill>
+                <a:latin typeface="Montserrat Ultra-Bold"/>
+                <a:ea typeface="Montserrat Ultra-Bold"/>
+                <a:cs typeface="Montserrat Ultra-Bold"/>
+                <a:sym typeface="Montserrat Ultra-Bold"/>
+              </a:rPr>
+              <a:t>DASHBOARD</a:t>
+            </a:r>
+          </a:p>
+        </p:txBody>
+      </p:sp>
+      <p:grpSp>
+        <p:nvGrpSpPr>
+          <p:cNvPr id="13" name="Group 13">
+            <a:extLst>
+              <a:ext uri="{FF2B5EF4-FFF2-40B4-BE49-F238E27FC236}">
+                <a16:creationId xmlns:a16="http://schemas.microsoft.com/office/drawing/2014/main" id="{13CB3C07-8E68-9CFB-D02B-BB5F00651E7E}"/>
+              </a:ext>
+            </a:extLst>
+          </p:cNvPr>
+          <p:cNvGrpSpPr/>
+          <p:nvPr/>
+        </p:nvGrpSpPr>
+        <p:grpSpPr>
+          <a:xfrm>
+            <a:off x="-1745719" y="9208662"/>
+            <a:ext cx="3491438" cy="3122967"/>
+            <a:chOff x="0" y="0"/>
+            <a:chExt cx="908700" cy="812800"/>
+          </a:xfrm>
+        </p:grpSpPr>
+        <p:sp>
+          <p:nvSpPr>
+            <p:cNvPr id="14" name="Freeform 14">
+              <a:extLst>
+                <a:ext uri="{FF2B5EF4-FFF2-40B4-BE49-F238E27FC236}">
+                  <a16:creationId xmlns:a16="http://schemas.microsoft.com/office/drawing/2014/main" id="{16058ACF-65AF-0B23-6296-26C87F4F719C}"/>
+                </a:ext>
+              </a:extLst>
+            </p:cNvPr>
+            <p:cNvSpPr/>
+            <p:nvPr/>
+          </p:nvSpPr>
+          <p:spPr>
+            <a:xfrm>
+              <a:off x="0" y="0"/>
+              <a:ext cx="908700" cy="812800"/>
+            </a:xfrm>
+            <a:custGeom>
+              <a:avLst/>
+              <a:gdLst/>
+              <a:ahLst/>
+              <a:cxnLst/>
+              <a:rect l="l" t="t" r="r" b="b"/>
+              <a:pathLst>
+                <a:path w="908700" h="812800">
+                  <a:moveTo>
+                    <a:pt x="454350" y="0"/>
+                  </a:moveTo>
+                  <a:cubicBezTo>
+                    <a:pt x="203420" y="0"/>
+                    <a:pt x="0" y="181951"/>
+                    <a:pt x="0" y="406400"/>
+                  </a:cubicBezTo>
+                  <a:cubicBezTo>
+                    <a:pt x="0" y="630849"/>
+                    <a:pt x="203420" y="812800"/>
+                    <a:pt x="454350" y="812800"/>
+                  </a:cubicBezTo>
+                  <a:cubicBezTo>
+                    <a:pt x="705281" y="812800"/>
+                    <a:pt x="908700" y="630849"/>
+                    <a:pt x="908700" y="406400"/>
+                  </a:cubicBezTo>
+                  <a:cubicBezTo>
+                    <a:pt x="908700" y="181951"/>
+                    <a:pt x="705281" y="0"/>
+                    <a:pt x="454350" y="0"/>
+                  </a:cubicBezTo>
+                  <a:close/>
+                </a:path>
+              </a:pathLst>
+            </a:custGeom>
+            <a:solidFill>
+              <a:srgbClr val="24508C"/>
+            </a:solidFill>
+          </p:spPr>
+          <p:txBody>
+            <a:bodyPr/>
+            <a:lstStyle/>
+            <a:p>
+              <a:endParaRPr lang="en-US"/>
+            </a:p>
+          </p:txBody>
+        </p:sp>
+        <p:sp>
+          <p:nvSpPr>
+            <p:cNvPr id="15" name="TextBox 15">
+              <a:extLst>
+                <a:ext uri="{FF2B5EF4-FFF2-40B4-BE49-F238E27FC236}">
+                  <a16:creationId xmlns:a16="http://schemas.microsoft.com/office/drawing/2014/main" id="{9AEB0993-D08E-FEC5-D914-CFE6229A2894}"/>
+                </a:ext>
+              </a:extLst>
+            </p:cNvPr>
+            <p:cNvSpPr txBox="1"/>
+            <p:nvPr/>
+          </p:nvSpPr>
+          <p:spPr>
+            <a:xfrm>
+              <a:off x="85191" y="38100"/>
+              <a:ext cx="738319" cy="698500"/>
+            </a:xfrm>
+            <a:prstGeom prst="rect">
+              <a:avLst/>
+            </a:prstGeom>
+          </p:spPr>
+          <p:txBody>
+            <a:bodyPr lIns="50800" tIns="50800" rIns="50800" bIns="50800" rtlCol="0" anchor="ctr"/>
+            <a:lstStyle/>
+            <a:p>
+              <a:pPr algn="ctr">
+                <a:lnSpc>
+                  <a:spcPts val="3359"/>
+                </a:lnSpc>
+              </a:pPr>
+              <a:endParaRPr/>
+            </a:p>
+          </p:txBody>
+        </p:sp>
+      </p:grpSp>
+      <p:grpSp>
+        <p:nvGrpSpPr>
+          <p:cNvPr id="16" name="Group 16">
+            <a:extLst>
+              <a:ext uri="{FF2B5EF4-FFF2-40B4-BE49-F238E27FC236}">
+                <a16:creationId xmlns:a16="http://schemas.microsoft.com/office/drawing/2014/main" id="{8C46C209-5188-B0E3-44B1-CC822E4467DB}"/>
+              </a:ext>
+            </a:extLst>
+          </p:cNvPr>
+          <p:cNvGrpSpPr/>
+          <p:nvPr/>
+        </p:nvGrpSpPr>
+        <p:grpSpPr>
+          <a:xfrm>
+            <a:off x="15360148" y="-2923420"/>
+            <a:ext cx="4903912" cy="4903912"/>
+            <a:chOff x="0" y="0"/>
+            <a:chExt cx="812800" cy="812800"/>
+          </a:xfrm>
+        </p:grpSpPr>
+        <p:sp>
+          <p:nvSpPr>
+            <p:cNvPr id="17" name="Freeform 17">
+              <a:extLst>
+                <a:ext uri="{FF2B5EF4-FFF2-40B4-BE49-F238E27FC236}">
+                  <a16:creationId xmlns:a16="http://schemas.microsoft.com/office/drawing/2014/main" id="{1BFF16CB-58DE-8444-AB81-5FEDDB7C8E94}"/>
+                </a:ext>
+              </a:extLst>
+            </p:cNvPr>
+            <p:cNvSpPr/>
+            <p:nvPr/>
+          </p:nvSpPr>
+          <p:spPr>
+            <a:xfrm>
+              <a:off x="0" y="0"/>
+              <a:ext cx="812800" cy="812800"/>
+            </a:xfrm>
+            <a:custGeom>
+              <a:avLst/>
+              <a:gdLst/>
+              <a:ahLst/>
+              <a:cxnLst/>
+              <a:rect l="l" t="t" r="r" b="b"/>
+              <a:pathLst>
+                <a:path w="812800" h="812800">
+                  <a:moveTo>
+                    <a:pt x="406400" y="0"/>
+                  </a:moveTo>
+                  <a:cubicBezTo>
+                    <a:pt x="181951" y="0"/>
+                    <a:pt x="0" y="181951"/>
+                    <a:pt x="0" y="406400"/>
+                  </a:cubicBezTo>
+                  <a:cubicBezTo>
+                    <a:pt x="0" y="630849"/>
+                    <a:pt x="181951" y="812800"/>
+                    <a:pt x="406400" y="812800"/>
+                  </a:cubicBezTo>
+                  <a:cubicBezTo>
+                    <a:pt x="630849" y="812800"/>
+                    <a:pt x="812800" y="630849"/>
+                    <a:pt x="812800" y="406400"/>
+                  </a:cubicBezTo>
+                  <a:cubicBezTo>
+                    <a:pt x="812800" y="181951"/>
+                    <a:pt x="630849" y="0"/>
+                    <a:pt x="406400" y="0"/>
+                  </a:cubicBezTo>
+                  <a:close/>
+                </a:path>
+              </a:pathLst>
+            </a:custGeom>
+            <a:solidFill>
+              <a:srgbClr val="24508C"/>
+            </a:solidFill>
+          </p:spPr>
+          <p:txBody>
+            <a:bodyPr/>
+            <a:lstStyle/>
+            <a:p>
+              <a:endParaRPr lang="en-US"/>
+            </a:p>
+          </p:txBody>
+        </p:sp>
+        <p:sp>
+          <p:nvSpPr>
+            <p:cNvPr id="18" name="TextBox 18">
+              <a:extLst>
+                <a:ext uri="{FF2B5EF4-FFF2-40B4-BE49-F238E27FC236}">
+                  <a16:creationId xmlns:a16="http://schemas.microsoft.com/office/drawing/2014/main" id="{378D2A9A-D610-2890-9FBD-6CB8D9FD6E48}"/>
+                </a:ext>
+              </a:extLst>
+            </p:cNvPr>
+            <p:cNvSpPr txBox="1"/>
+            <p:nvPr/>
+          </p:nvSpPr>
+          <p:spPr>
+            <a:xfrm>
+              <a:off x="76200" y="38100"/>
+              <a:ext cx="660400" cy="698500"/>
+            </a:xfrm>
+            <a:prstGeom prst="rect">
+              <a:avLst/>
+            </a:prstGeom>
+          </p:spPr>
+          <p:txBody>
+            <a:bodyPr lIns="50800" tIns="50800" rIns="50800" bIns="50800" rtlCol="0" anchor="ctr"/>
+            <a:lstStyle/>
+            <a:p>
+              <a:pPr algn="ctr">
+                <a:lnSpc>
+                  <a:spcPts val="3359"/>
+                </a:lnSpc>
+              </a:pPr>
+              <a:endParaRPr/>
+            </a:p>
+          </p:txBody>
+        </p:sp>
+      </p:grpSp>
+      <p:pic>
+        <p:nvPicPr>
+          <p:cNvPr id="4" name="Picture 3" descr="A screen shot of a graph&#10;&#10;Description automatically generated">
+            <a:extLst>
+              <a:ext uri="{FF2B5EF4-FFF2-40B4-BE49-F238E27FC236}">
+                <a16:creationId xmlns:a16="http://schemas.microsoft.com/office/drawing/2014/main" id="{2543C826-AB6E-E298-9CC5-999D377C0083}"/>
+              </a:ext>
+            </a:extLst>
+          </p:cNvPr>
+          <p:cNvPicPr>
+            <a:picLocks noChangeAspect="1"/>
+          </p:cNvPicPr>
+          <p:nvPr/>
+        </p:nvPicPr>
+        <p:blipFill>
+          <a:blip r:embed="rId4">
+            <a:extLst>
+              <a:ext uri="{28A0092B-C50C-407E-A947-70E740481C1C}">
+                <a14:useLocalDpi xmlns:a14="http://schemas.microsoft.com/office/drawing/2010/main" val="0"/>
+              </a:ext>
+            </a:extLst>
+          </a:blip>
+          <a:stretch>
+            <a:fillRect/>
+          </a:stretch>
+        </p:blipFill>
+        <p:spPr>
+          <a:xfrm>
+            <a:off x="854584" y="966277"/>
+            <a:ext cx="13030200" cy="8719955"/>
+          </a:xfrm>
+          <a:prstGeom prst="rect">
+            <a:avLst/>
+          </a:prstGeom>
+        </p:spPr>
+      </p:pic>
+    </p:spTree>
+    <p:extLst>
+      <p:ext uri="{BB962C8B-B14F-4D97-AF65-F5344CB8AC3E}">
+        <p14:creationId xmlns:p14="http://schemas.microsoft.com/office/powerpoint/2010/main" val="2575291541"/>
+      </p:ext>
+    </p:extLst>
+  </p:cSld>
+  <p:clrMapOvr>
+    <a:masterClrMapping/>
+  </p:clrMapOvr>
+</p:sld>
+</file>
+
+<file path=ppt/slides/slide5.xml><?xml version="1.0" encoding="utf-8"?>
 <p:sld xmlns:a="http://schemas.openxmlformats.org/drawingml/2006/main" xmlns:r="http://schemas.openxmlformats.org/officeDocument/2006/relationships" xmlns:p="http://schemas.openxmlformats.org/presentationml/2006/main">
   <p:cSld>
     <p:spTree>
@@ -7771,7 +8678,7 @@
         </p:nvSpPr>
         <p:spPr>
           <a:xfrm>
-            <a:off x="1484036" y="1043867"/>
+            <a:off x="1418399" y="493841"/>
             <a:ext cx="8210545" cy="936625"/>
           </a:xfrm>
           <a:prstGeom prst="rect">
@@ -8006,36 +8913,6 @@
           </p:txBody>
         </p:sp>
       </p:grpSp>
-      <p:pic>
-        <p:nvPicPr>
-          <p:cNvPr id="3" name="Picture 2">
-            <a:extLst>
-              <a:ext uri="{FF2B5EF4-FFF2-40B4-BE49-F238E27FC236}">
-                <a16:creationId xmlns:a16="http://schemas.microsoft.com/office/drawing/2014/main" id="{7DE9AC45-C0EE-FD2E-0ABA-754E8D3BBA95}"/>
-              </a:ext>
-            </a:extLst>
-          </p:cNvPr>
-          <p:cNvPicPr>
-            <a:picLocks noChangeAspect="1"/>
-          </p:cNvPicPr>
-          <p:nvPr/>
-        </p:nvPicPr>
-        <p:blipFill>
-          <a:blip r:embed="rId5"/>
-          <a:stretch>
-            <a:fillRect/>
-          </a:stretch>
-        </p:blipFill>
-        <p:spPr>
-          <a:xfrm>
-            <a:off x="0" y="2401030"/>
-            <a:ext cx="20020978" cy="3011512"/>
-          </a:xfrm>
-          <a:prstGeom prst="rect">
-            <a:avLst/>
-          </a:prstGeom>
-        </p:spPr>
-      </p:pic>
       <p:sp>
         <p:nvSpPr>
           <p:cNvPr id="6" name="TextBox 5">
@@ -8442,6 +9319,36 @@
           </a:p>
         </p:txBody>
       </p:sp>
+      <p:pic>
+        <p:nvPicPr>
+          <p:cNvPr id="4" name="Picture 3">
+            <a:extLst>
+              <a:ext uri="{FF2B5EF4-FFF2-40B4-BE49-F238E27FC236}">
+                <a16:creationId xmlns:a16="http://schemas.microsoft.com/office/drawing/2014/main" id="{E3A8BCCF-FD22-BC9F-048B-1E7DD2E910F5}"/>
+              </a:ext>
+            </a:extLst>
+          </p:cNvPr>
+          <p:cNvPicPr>
+            <a:picLocks noChangeAspect="1"/>
+          </p:cNvPicPr>
+          <p:nvPr/>
+        </p:nvPicPr>
+        <p:blipFill>
+          <a:blip r:embed="rId5"/>
+          <a:stretch>
+            <a:fillRect/>
+          </a:stretch>
+        </p:blipFill>
+        <p:spPr>
+          <a:xfrm>
+            <a:off x="0" y="1464296"/>
+            <a:ext cx="14352662" cy="3416774"/>
+          </a:xfrm>
+          <a:prstGeom prst="rect">
+            <a:avLst/>
+          </a:prstGeom>
+        </p:spPr>
+      </p:pic>
     </p:spTree>
     <p:extLst>
       <p:ext uri="{BB962C8B-B14F-4D97-AF65-F5344CB8AC3E}">
@@ -8455,7 +9362,7 @@
 </p:sld>
 </file>
 
-<file path=ppt/slides/slide5.xml><?xml version="1.0" encoding="utf-8"?>
+<file path=ppt/slides/slide6.xml><?xml version="1.0" encoding="utf-8"?>
 <p:sld xmlns:a="http://schemas.openxmlformats.org/drawingml/2006/main" xmlns:r="http://schemas.openxmlformats.org/officeDocument/2006/relationships" xmlns:p="http://schemas.openxmlformats.org/presentationml/2006/main">
   <p:cSld>
     <p:spTree>
@@ -8775,12 +9682,266 @@
           </p:txBody>
         </p:sp>
       </p:grpSp>
+      <p:sp>
+        <p:nvSpPr>
+          <p:cNvPr id="6" name="TextBox 5">
+            <a:extLst>
+              <a:ext uri="{FF2B5EF4-FFF2-40B4-BE49-F238E27FC236}">
+                <a16:creationId xmlns:a16="http://schemas.microsoft.com/office/drawing/2014/main" id="{83F3EC81-93E5-F3A7-6036-FAA8758B043C}"/>
+              </a:ext>
+            </a:extLst>
+          </p:cNvPr>
+          <p:cNvSpPr txBox="1"/>
+          <p:nvPr/>
+        </p:nvSpPr>
+        <p:spPr>
+          <a:xfrm>
+            <a:off x="1734833" y="5111647"/>
+            <a:ext cx="18669000" cy="4878259"/>
+          </a:xfrm>
+          <a:prstGeom prst="rect">
+            <a:avLst/>
+          </a:prstGeom>
+          <a:noFill/>
+        </p:spPr>
+        <p:txBody>
+          <a:bodyPr wrap="square" rtlCol="0">
+            <a:spAutoFit/>
+          </a:bodyPr>
+          <a:lstStyle/>
+          <a:p>
+            <a:pPr marL="342900" lvl="0" indent="-342900">
+              <a:lnSpc>
+                <a:spcPct val="107000"/>
+              </a:lnSpc>
+              <a:spcAft>
+                <a:spcPts val="800"/>
+              </a:spcAft>
+              <a:buFont typeface="+mj-lt"/>
+              <a:buAutoNum type="arabicPeriod"/>
+              <a:tabLst>
+                <a:tab pos="457200" algn="l"/>
+              </a:tabLst>
+            </a:pPr>
+            <a:r>
+              <a:rPr lang="en-US" sz="2800" b="1" kern="100" dirty="0">
+                <a:solidFill>
+                  <a:schemeClr val="accent1">
+                    <a:lumMod val="50000"/>
+                  </a:schemeClr>
+                </a:solidFill>
+                <a:latin typeface="Aptos" panose="020B0004020202020204" pitchFamily="34" charset="0"/>
+                <a:cs typeface="Times New Roman" panose="02020603050405020304" pitchFamily="18" charset="0"/>
+              </a:rPr>
+              <a:t>Avg CPC (Cost Per Click): The average cost for each click.</a:t>
+            </a:r>
+          </a:p>
+          <a:p>
+            <a:pPr marL="742950" lvl="1" indent="-285750">
+              <a:lnSpc>
+                <a:spcPct val="107000"/>
+              </a:lnSpc>
+              <a:spcAft>
+                <a:spcPts val="800"/>
+              </a:spcAft>
+              <a:buSzPts val="1000"/>
+              <a:buFont typeface="Courier New" panose="02070309020205020404" pitchFamily="49" charset="0"/>
+              <a:buChar char="o"/>
+              <a:tabLst>
+                <a:tab pos="914400" algn="l"/>
+              </a:tabLst>
+            </a:pPr>
+            <a:r>
+              <a:rPr lang="en-US" sz="2800" b="1" kern="100" dirty="0">
+                <a:solidFill>
+                  <a:schemeClr val="accent1">
+                    <a:lumMod val="50000"/>
+                  </a:schemeClr>
+                </a:solidFill>
+                <a:latin typeface="Aptos" panose="020B0004020202020204" pitchFamily="34" charset="0"/>
+                <a:cs typeface="Times New Roman" panose="02020603050405020304" pitchFamily="18" charset="0"/>
+              </a:rPr>
+              <a:t>Facebook: $2.44</a:t>
+            </a:r>
+          </a:p>
+          <a:p>
+            <a:pPr marL="742950" lvl="1" indent="-285750">
+              <a:lnSpc>
+                <a:spcPct val="107000"/>
+              </a:lnSpc>
+              <a:spcAft>
+                <a:spcPts val="800"/>
+              </a:spcAft>
+              <a:buSzPts val="1000"/>
+              <a:buFont typeface="Courier New" panose="02070309020205020404" pitchFamily="49" charset="0"/>
+              <a:buChar char="o"/>
+              <a:tabLst>
+                <a:tab pos="914400" algn="l"/>
+              </a:tabLst>
+            </a:pPr>
+            <a:r>
+              <a:rPr lang="en-US" sz="2800" b="1" kern="100" dirty="0">
+                <a:solidFill>
+                  <a:schemeClr val="accent1">
+                    <a:lumMod val="50000"/>
+                  </a:schemeClr>
+                </a:solidFill>
+                <a:latin typeface="Aptos" panose="020B0004020202020204" pitchFamily="34" charset="0"/>
+                <a:cs typeface="Times New Roman" panose="02020603050405020304" pitchFamily="18" charset="0"/>
+              </a:rPr>
+              <a:t>LinkedIn: $2.39</a:t>
+            </a:r>
+          </a:p>
+          <a:p>
+            <a:pPr marL="742950" lvl="1" indent="-285750">
+              <a:lnSpc>
+                <a:spcPct val="107000"/>
+              </a:lnSpc>
+              <a:spcAft>
+                <a:spcPts val="800"/>
+              </a:spcAft>
+              <a:buSzPts val="1000"/>
+              <a:buFont typeface="Courier New" panose="02070309020205020404" pitchFamily="49" charset="0"/>
+              <a:buChar char="o"/>
+              <a:tabLst>
+                <a:tab pos="914400" algn="l"/>
+              </a:tabLst>
+            </a:pPr>
+            <a:r>
+              <a:rPr lang="en-US" sz="2800" b="1" kern="100" dirty="0">
+                <a:solidFill>
+                  <a:schemeClr val="accent1">
+                    <a:lumMod val="50000"/>
+                  </a:schemeClr>
+                </a:solidFill>
+                <a:latin typeface="Aptos" panose="020B0004020202020204" pitchFamily="34" charset="0"/>
+                <a:cs typeface="Times New Roman" panose="02020603050405020304" pitchFamily="18" charset="0"/>
+              </a:rPr>
+              <a:t>Insight: LinkedIn has a slightly lower CPC, making it slightly cheaper to get clicks.</a:t>
+            </a:r>
+          </a:p>
+          <a:p>
+            <a:pPr marL="342900" lvl="0" indent="-342900">
+              <a:lnSpc>
+                <a:spcPct val="107000"/>
+              </a:lnSpc>
+              <a:spcAft>
+                <a:spcPts val="800"/>
+              </a:spcAft>
+              <a:buFont typeface="+mj-lt"/>
+              <a:buAutoNum type="arabicPeriod"/>
+              <a:tabLst>
+                <a:tab pos="457200" algn="l"/>
+              </a:tabLst>
+            </a:pPr>
+            <a:r>
+              <a:rPr lang="en-US" sz="2800" b="1" kern="100" dirty="0">
+                <a:solidFill>
+                  <a:schemeClr val="accent1">
+                    <a:lumMod val="50000"/>
+                  </a:schemeClr>
+                </a:solidFill>
+                <a:latin typeface="Aptos" panose="020B0004020202020204" pitchFamily="34" charset="0"/>
+                <a:cs typeface="Times New Roman" panose="02020603050405020304" pitchFamily="18" charset="0"/>
+              </a:rPr>
+              <a:t>Total Conversions: The number of times the desired action was completed.</a:t>
+            </a:r>
+          </a:p>
+          <a:p>
+            <a:pPr marL="742950" lvl="1" indent="-285750">
+              <a:lnSpc>
+                <a:spcPct val="107000"/>
+              </a:lnSpc>
+              <a:spcAft>
+                <a:spcPts val="800"/>
+              </a:spcAft>
+              <a:buSzPts val="1000"/>
+              <a:buFont typeface="Courier New" panose="02070309020205020404" pitchFamily="49" charset="0"/>
+              <a:buChar char="o"/>
+              <a:tabLst>
+                <a:tab pos="914400" algn="l"/>
+              </a:tabLst>
+            </a:pPr>
+            <a:r>
+              <a:rPr lang="en-US" sz="2800" b="1" kern="100" dirty="0">
+                <a:solidFill>
+                  <a:schemeClr val="accent1">
+                    <a:lumMod val="50000"/>
+                  </a:schemeClr>
+                </a:solidFill>
+                <a:latin typeface="Aptos" panose="020B0004020202020204" pitchFamily="34" charset="0"/>
+                <a:cs typeface="Times New Roman" panose="02020603050405020304" pitchFamily="18" charset="0"/>
+              </a:rPr>
+              <a:t>Facebook: 29,995</a:t>
+            </a:r>
+          </a:p>
+          <a:p>
+            <a:pPr marL="742950" lvl="1" indent="-285750">
+              <a:lnSpc>
+                <a:spcPct val="107000"/>
+              </a:lnSpc>
+              <a:spcAft>
+                <a:spcPts val="800"/>
+              </a:spcAft>
+              <a:buSzPts val="1000"/>
+              <a:buFont typeface="Courier New" panose="02070309020205020404" pitchFamily="49" charset="0"/>
+              <a:buChar char="o"/>
+              <a:tabLst>
+                <a:tab pos="914400" algn="l"/>
+              </a:tabLst>
+            </a:pPr>
+            <a:r>
+              <a:rPr lang="en-US" sz="2800" b="1" kern="100" dirty="0">
+                <a:solidFill>
+                  <a:schemeClr val="accent1">
+                    <a:lumMod val="50000"/>
+                  </a:schemeClr>
+                </a:solidFill>
+                <a:latin typeface="Aptos" panose="020B0004020202020204" pitchFamily="34" charset="0"/>
+                <a:cs typeface="Times New Roman" panose="02020603050405020304" pitchFamily="18" charset="0"/>
+              </a:rPr>
+              <a:t>LinkedIn: 24,112</a:t>
+            </a:r>
+          </a:p>
+          <a:p>
+            <a:pPr marL="742950" lvl="1" indent="-285750">
+              <a:lnSpc>
+                <a:spcPct val="107000"/>
+              </a:lnSpc>
+              <a:spcAft>
+                <a:spcPts val="800"/>
+              </a:spcAft>
+              <a:buSzPts val="1000"/>
+              <a:buFont typeface="Courier New" panose="02070309020205020404" pitchFamily="49" charset="0"/>
+              <a:buChar char="o"/>
+              <a:tabLst>
+                <a:tab pos="914400" algn="l"/>
+              </a:tabLst>
+            </a:pPr>
+            <a:r>
+              <a:rPr lang="en-US" sz="2800" b="1" kern="100" dirty="0">
+                <a:solidFill>
+                  <a:schemeClr val="accent1">
+                    <a:lumMod val="50000"/>
+                  </a:schemeClr>
+                </a:solidFill>
+                <a:latin typeface="Aptos" panose="020B0004020202020204" pitchFamily="34" charset="0"/>
+                <a:cs typeface="Times New Roman" panose="02020603050405020304" pitchFamily="18" charset="0"/>
+              </a:rPr>
+              <a:t>Insight: Facebook has more conversions, suggesting it may be better at driving actions.</a:t>
+            </a:r>
+          </a:p>
+          <a:p>
+            <a:endParaRPr lang="en-US" dirty="0"/>
+          </a:p>
+        </p:txBody>
+      </p:sp>
       <p:pic>
         <p:nvPicPr>
-          <p:cNvPr id="3" name="Picture 2">
+          <p:cNvPr id="4" name="Picture 3">
             <a:extLst>
               <a:ext uri="{FF2B5EF4-FFF2-40B4-BE49-F238E27FC236}">
-                <a16:creationId xmlns:a16="http://schemas.microsoft.com/office/drawing/2014/main" id="{7DE9AC45-C0EE-FD2E-0ABA-754E8D3BBA95}"/>
+                <a16:creationId xmlns:a16="http://schemas.microsoft.com/office/drawing/2014/main" id="{F2355D84-383A-C87F-E503-C1E7A398922C}"/>
               </a:ext>
             </a:extLst>
           </p:cNvPr>
@@ -8797,268 +9958,14 @@
         </p:blipFill>
         <p:spPr>
           <a:xfrm>
-            <a:off x="0" y="2078375"/>
-            <a:ext cx="20020978" cy="3011512"/>
+            <a:off x="0" y="2126881"/>
+            <a:ext cx="12363450" cy="2943225"/>
           </a:xfrm>
           <a:prstGeom prst="rect">
             <a:avLst/>
           </a:prstGeom>
         </p:spPr>
       </p:pic>
-      <p:sp>
-        <p:nvSpPr>
-          <p:cNvPr id="6" name="TextBox 5">
-            <a:extLst>
-              <a:ext uri="{FF2B5EF4-FFF2-40B4-BE49-F238E27FC236}">
-                <a16:creationId xmlns:a16="http://schemas.microsoft.com/office/drawing/2014/main" id="{83F3EC81-93E5-F3A7-6036-FAA8758B043C}"/>
-              </a:ext>
-            </a:extLst>
-          </p:cNvPr>
-          <p:cNvSpPr txBox="1"/>
-          <p:nvPr/>
-        </p:nvSpPr>
-        <p:spPr>
-          <a:xfrm>
-            <a:off x="1734833" y="5111647"/>
-            <a:ext cx="18669000" cy="4878259"/>
-          </a:xfrm>
-          <a:prstGeom prst="rect">
-            <a:avLst/>
-          </a:prstGeom>
-          <a:noFill/>
-        </p:spPr>
-        <p:txBody>
-          <a:bodyPr wrap="square" rtlCol="0">
-            <a:spAutoFit/>
-          </a:bodyPr>
-          <a:lstStyle/>
-          <a:p>
-            <a:pPr marL="342900" lvl="0" indent="-342900">
-              <a:lnSpc>
-                <a:spcPct val="107000"/>
-              </a:lnSpc>
-              <a:spcAft>
-                <a:spcPts val="800"/>
-              </a:spcAft>
-              <a:buFont typeface="+mj-lt"/>
-              <a:buAutoNum type="arabicPeriod"/>
-              <a:tabLst>
-                <a:tab pos="457200" algn="l"/>
-              </a:tabLst>
-            </a:pPr>
-            <a:r>
-              <a:rPr lang="en-US" sz="2800" b="1" kern="100" dirty="0">
-                <a:solidFill>
-                  <a:schemeClr val="accent1">
-                    <a:lumMod val="50000"/>
-                  </a:schemeClr>
-                </a:solidFill>
-                <a:latin typeface="Aptos" panose="020B0004020202020204" pitchFamily="34" charset="0"/>
-                <a:cs typeface="Times New Roman" panose="02020603050405020304" pitchFamily="18" charset="0"/>
-              </a:rPr>
-              <a:t>Avg CPC (Cost Per Click): The average cost for each click.</a:t>
-            </a:r>
-          </a:p>
-          <a:p>
-            <a:pPr marL="742950" lvl="1" indent="-285750">
-              <a:lnSpc>
-                <a:spcPct val="107000"/>
-              </a:lnSpc>
-              <a:spcAft>
-                <a:spcPts val="800"/>
-              </a:spcAft>
-              <a:buSzPts val="1000"/>
-              <a:buFont typeface="Courier New" panose="02070309020205020404" pitchFamily="49" charset="0"/>
-              <a:buChar char="o"/>
-              <a:tabLst>
-                <a:tab pos="914400" algn="l"/>
-              </a:tabLst>
-            </a:pPr>
-            <a:r>
-              <a:rPr lang="en-US" sz="2800" b="1" kern="100" dirty="0">
-                <a:solidFill>
-                  <a:schemeClr val="accent1">
-                    <a:lumMod val="50000"/>
-                  </a:schemeClr>
-                </a:solidFill>
-                <a:latin typeface="Aptos" panose="020B0004020202020204" pitchFamily="34" charset="0"/>
-                <a:cs typeface="Times New Roman" panose="02020603050405020304" pitchFamily="18" charset="0"/>
-              </a:rPr>
-              <a:t>Facebook: $2.44</a:t>
-            </a:r>
-          </a:p>
-          <a:p>
-            <a:pPr marL="742950" lvl="1" indent="-285750">
-              <a:lnSpc>
-                <a:spcPct val="107000"/>
-              </a:lnSpc>
-              <a:spcAft>
-                <a:spcPts val="800"/>
-              </a:spcAft>
-              <a:buSzPts val="1000"/>
-              <a:buFont typeface="Courier New" panose="02070309020205020404" pitchFamily="49" charset="0"/>
-              <a:buChar char="o"/>
-              <a:tabLst>
-                <a:tab pos="914400" algn="l"/>
-              </a:tabLst>
-            </a:pPr>
-            <a:r>
-              <a:rPr lang="en-US" sz="2800" b="1" kern="100" dirty="0">
-                <a:solidFill>
-                  <a:schemeClr val="accent1">
-                    <a:lumMod val="50000"/>
-                  </a:schemeClr>
-                </a:solidFill>
-                <a:latin typeface="Aptos" panose="020B0004020202020204" pitchFamily="34" charset="0"/>
-                <a:cs typeface="Times New Roman" panose="02020603050405020304" pitchFamily="18" charset="0"/>
-              </a:rPr>
-              <a:t>LinkedIn: $2.39</a:t>
-            </a:r>
-          </a:p>
-          <a:p>
-            <a:pPr marL="742950" lvl="1" indent="-285750">
-              <a:lnSpc>
-                <a:spcPct val="107000"/>
-              </a:lnSpc>
-              <a:spcAft>
-                <a:spcPts val="800"/>
-              </a:spcAft>
-              <a:buSzPts val="1000"/>
-              <a:buFont typeface="Courier New" panose="02070309020205020404" pitchFamily="49" charset="0"/>
-              <a:buChar char="o"/>
-              <a:tabLst>
-                <a:tab pos="914400" algn="l"/>
-              </a:tabLst>
-            </a:pPr>
-            <a:r>
-              <a:rPr lang="en-US" sz="2800" b="1" kern="100" dirty="0">
-                <a:solidFill>
-                  <a:schemeClr val="accent1">
-                    <a:lumMod val="50000"/>
-                  </a:schemeClr>
-                </a:solidFill>
-                <a:latin typeface="Aptos" panose="020B0004020202020204" pitchFamily="34" charset="0"/>
-                <a:cs typeface="Times New Roman" panose="02020603050405020304" pitchFamily="18" charset="0"/>
-              </a:rPr>
-              <a:t>Insight: LinkedIn has a slightly lower CPC, making it slightly cheaper to get clicks.</a:t>
-            </a:r>
-          </a:p>
-          <a:p>
-            <a:pPr marL="342900" lvl="0" indent="-342900">
-              <a:lnSpc>
-                <a:spcPct val="107000"/>
-              </a:lnSpc>
-              <a:spcAft>
-                <a:spcPts val="800"/>
-              </a:spcAft>
-              <a:buFont typeface="+mj-lt"/>
-              <a:buAutoNum type="arabicPeriod"/>
-              <a:tabLst>
-                <a:tab pos="457200" algn="l"/>
-              </a:tabLst>
-            </a:pPr>
-            <a:r>
-              <a:rPr lang="en-US" sz="2800" b="1" kern="100" dirty="0">
-                <a:solidFill>
-                  <a:schemeClr val="accent1">
-                    <a:lumMod val="50000"/>
-                  </a:schemeClr>
-                </a:solidFill>
-                <a:latin typeface="Aptos" panose="020B0004020202020204" pitchFamily="34" charset="0"/>
-                <a:cs typeface="Times New Roman" panose="02020603050405020304" pitchFamily="18" charset="0"/>
-              </a:rPr>
-              <a:t>Total Conversions: The number of times the desired action was completed.</a:t>
-            </a:r>
-          </a:p>
-          <a:p>
-            <a:pPr marL="742950" lvl="1" indent="-285750">
-              <a:lnSpc>
-                <a:spcPct val="107000"/>
-              </a:lnSpc>
-              <a:spcAft>
-                <a:spcPts val="800"/>
-              </a:spcAft>
-              <a:buSzPts val="1000"/>
-              <a:buFont typeface="Courier New" panose="02070309020205020404" pitchFamily="49" charset="0"/>
-              <a:buChar char="o"/>
-              <a:tabLst>
-                <a:tab pos="914400" algn="l"/>
-              </a:tabLst>
-            </a:pPr>
-            <a:r>
-              <a:rPr lang="en-US" sz="2800" b="1" kern="100" dirty="0">
-                <a:solidFill>
-                  <a:schemeClr val="accent1">
-                    <a:lumMod val="50000"/>
-                  </a:schemeClr>
-                </a:solidFill>
-                <a:latin typeface="Aptos" panose="020B0004020202020204" pitchFamily="34" charset="0"/>
-                <a:cs typeface="Times New Roman" panose="02020603050405020304" pitchFamily="18" charset="0"/>
-              </a:rPr>
-              <a:t>Facebook: 29,995</a:t>
-            </a:r>
-          </a:p>
-          <a:p>
-            <a:pPr marL="742950" lvl="1" indent="-285750">
-              <a:lnSpc>
-                <a:spcPct val="107000"/>
-              </a:lnSpc>
-              <a:spcAft>
-                <a:spcPts val="800"/>
-              </a:spcAft>
-              <a:buSzPts val="1000"/>
-              <a:buFont typeface="Courier New" panose="02070309020205020404" pitchFamily="49" charset="0"/>
-              <a:buChar char="o"/>
-              <a:tabLst>
-                <a:tab pos="914400" algn="l"/>
-              </a:tabLst>
-            </a:pPr>
-            <a:r>
-              <a:rPr lang="en-US" sz="2800" b="1" kern="100" dirty="0">
-                <a:solidFill>
-                  <a:schemeClr val="accent1">
-                    <a:lumMod val="50000"/>
-                  </a:schemeClr>
-                </a:solidFill>
-                <a:latin typeface="Aptos" panose="020B0004020202020204" pitchFamily="34" charset="0"/>
-                <a:cs typeface="Times New Roman" panose="02020603050405020304" pitchFamily="18" charset="0"/>
-              </a:rPr>
-              <a:t>LinkedIn: 24,112</a:t>
-            </a:r>
-          </a:p>
-          <a:p>
-            <a:pPr marL="742950" lvl="1" indent="-285750">
-              <a:lnSpc>
-                <a:spcPct val="107000"/>
-              </a:lnSpc>
-              <a:spcAft>
-                <a:spcPts val="800"/>
-              </a:spcAft>
-              <a:buSzPts val="1000"/>
-              <a:buFont typeface="Courier New" panose="02070309020205020404" pitchFamily="49" charset="0"/>
-              <a:buChar char="o"/>
-              <a:tabLst>
-                <a:tab pos="914400" algn="l"/>
-              </a:tabLst>
-            </a:pPr>
-            <a:r>
-              <a:rPr lang="en-US" sz="2800" b="1" kern="100" dirty="0">
-                <a:solidFill>
-                  <a:schemeClr val="accent1">
-                    <a:lumMod val="50000"/>
-                  </a:schemeClr>
-                </a:solidFill>
-                <a:latin typeface="Aptos" panose="020B0004020202020204" pitchFamily="34" charset="0"/>
-                <a:cs typeface="Times New Roman" panose="02020603050405020304" pitchFamily="18" charset="0"/>
-              </a:rPr>
-              <a:t>Insight: Facebook has more conversions, suggesting it may be better at driving actions.</a:t>
-            </a:r>
-          </a:p>
-          <a:p>
-            <a:endParaRPr lang="en-US" dirty="0"/>
-          </a:p>
-        </p:txBody>
-      </p:sp>
     </p:spTree>
     <p:extLst>
       <p:ext uri="{BB962C8B-B14F-4D97-AF65-F5344CB8AC3E}">
@@ -9072,7 +9979,7 @@
 </p:sld>
 </file>
 
-<file path=ppt/slides/slide6.xml><?xml version="1.0" encoding="utf-8"?>
+<file path=ppt/slides/slide7.xml><?xml version="1.0" encoding="utf-8"?>
 <p:sld xmlns:a="http://schemas.openxmlformats.org/drawingml/2006/main" xmlns:r="http://schemas.openxmlformats.org/officeDocument/2006/relationships" xmlns:p="http://schemas.openxmlformats.org/presentationml/2006/main">
   <p:cSld>
     <p:spTree>
@@ -9392,36 +10299,6 @@
           </p:txBody>
         </p:sp>
       </p:grpSp>
-      <p:pic>
-        <p:nvPicPr>
-          <p:cNvPr id="3" name="Picture 2">
-            <a:extLst>
-              <a:ext uri="{FF2B5EF4-FFF2-40B4-BE49-F238E27FC236}">
-                <a16:creationId xmlns:a16="http://schemas.microsoft.com/office/drawing/2014/main" id="{7DE9AC45-C0EE-FD2E-0ABA-754E8D3BBA95}"/>
-              </a:ext>
-            </a:extLst>
-          </p:cNvPr>
-          <p:cNvPicPr>
-            <a:picLocks noChangeAspect="1"/>
-          </p:cNvPicPr>
-          <p:nvPr/>
-        </p:nvPicPr>
-        <p:blipFill>
-          <a:blip r:embed="rId5"/>
-          <a:stretch>
-            <a:fillRect/>
-          </a:stretch>
-        </p:blipFill>
-        <p:spPr>
-          <a:xfrm>
-            <a:off x="0" y="2078375"/>
-            <a:ext cx="20020978" cy="3011512"/>
-          </a:xfrm>
-          <a:prstGeom prst="rect">
-            <a:avLst/>
-          </a:prstGeom>
-        </p:spPr>
-      </p:pic>
       <p:sp>
         <p:nvSpPr>
           <p:cNvPr id="6" name="TextBox 5">
@@ -9852,6 +10729,36 @@
           </a:p>
         </p:txBody>
       </p:sp>
+      <p:pic>
+        <p:nvPicPr>
+          <p:cNvPr id="4" name="Picture 3">
+            <a:extLst>
+              <a:ext uri="{FF2B5EF4-FFF2-40B4-BE49-F238E27FC236}">
+                <a16:creationId xmlns:a16="http://schemas.microsoft.com/office/drawing/2014/main" id="{D082FBA3-3AD6-180A-5DA0-E448D7BA6DA8}"/>
+              </a:ext>
+            </a:extLst>
+          </p:cNvPr>
+          <p:cNvPicPr>
+            <a:picLocks noChangeAspect="1"/>
+          </p:cNvPicPr>
+          <p:nvPr/>
+        </p:nvPicPr>
+        <p:blipFill>
+          <a:blip r:embed="rId5"/>
+          <a:stretch>
+            <a:fillRect/>
+          </a:stretch>
+        </p:blipFill>
+        <p:spPr>
+          <a:xfrm>
+            <a:off x="0" y="1971675"/>
+            <a:ext cx="12363450" cy="2943225"/>
+          </a:xfrm>
+          <a:prstGeom prst="rect">
+            <a:avLst/>
+          </a:prstGeom>
+        </p:spPr>
+      </p:pic>
     </p:spTree>
     <p:extLst>
       <p:ext uri="{BB962C8B-B14F-4D97-AF65-F5344CB8AC3E}">
@@ -9865,7 +10772,7 @@
 </p:sld>
 </file>
 
-<file path=ppt/slides/slide7.xml><?xml version="1.0" encoding="utf-8"?>
+<file path=ppt/slides/slide8.xml><?xml version="1.0" encoding="utf-8"?>
 <p:sld xmlns:a="http://schemas.openxmlformats.org/drawingml/2006/main" xmlns:r="http://schemas.openxmlformats.org/officeDocument/2006/relationships" xmlns:p="http://schemas.openxmlformats.org/presentationml/2006/main">
   <p:cSld>
     <p:spTree>
@@ -10185,36 +11092,6 @@
           </p:txBody>
         </p:sp>
       </p:grpSp>
-      <p:pic>
-        <p:nvPicPr>
-          <p:cNvPr id="3" name="Picture 2">
-            <a:extLst>
-              <a:ext uri="{FF2B5EF4-FFF2-40B4-BE49-F238E27FC236}">
-                <a16:creationId xmlns:a16="http://schemas.microsoft.com/office/drawing/2014/main" id="{7DE9AC45-C0EE-FD2E-0ABA-754E8D3BBA95}"/>
-              </a:ext>
-            </a:extLst>
-          </p:cNvPr>
-          <p:cNvPicPr>
-            <a:picLocks noChangeAspect="1"/>
-          </p:cNvPicPr>
-          <p:nvPr/>
-        </p:nvPicPr>
-        <p:blipFill>
-          <a:blip r:embed="rId5"/>
-          <a:stretch>
-            <a:fillRect/>
-          </a:stretch>
-        </p:blipFill>
-        <p:spPr>
-          <a:xfrm>
-            <a:off x="0" y="2078375"/>
-            <a:ext cx="20020978" cy="3011512"/>
-          </a:xfrm>
-          <a:prstGeom prst="rect">
-            <a:avLst/>
-          </a:prstGeom>
-        </p:spPr>
-      </p:pic>
       <p:sp>
         <p:nvSpPr>
           <p:cNvPr id="9" name="TextBox 8">
@@ -10627,6 +11504,36 @@
           </a:p>
         </p:txBody>
       </p:sp>
+      <p:pic>
+        <p:nvPicPr>
+          <p:cNvPr id="4" name="Picture 3">
+            <a:extLst>
+              <a:ext uri="{FF2B5EF4-FFF2-40B4-BE49-F238E27FC236}">
+                <a16:creationId xmlns:a16="http://schemas.microsoft.com/office/drawing/2014/main" id="{BB52FA6A-D31B-A267-402E-A8717EC6E93D}"/>
+              </a:ext>
+            </a:extLst>
+          </p:cNvPr>
+          <p:cNvPicPr>
+            <a:picLocks noChangeAspect="1"/>
+          </p:cNvPicPr>
+          <p:nvPr/>
+        </p:nvPicPr>
+        <p:blipFill>
+          <a:blip r:embed="rId5"/>
+          <a:stretch>
+            <a:fillRect/>
+          </a:stretch>
+        </p:blipFill>
+        <p:spPr>
+          <a:xfrm>
+            <a:off x="0" y="2238375"/>
+            <a:ext cx="12363450" cy="2943225"/>
+          </a:xfrm>
+          <a:prstGeom prst="rect">
+            <a:avLst/>
+          </a:prstGeom>
+        </p:spPr>
+      </p:pic>
     </p:spTree>
     <p:extLst>
       <p:ext uri="{BB962C8B-B14F-4D97-AF65-F5344CB8AC3E}">
@@ -10640,7 +11547,7 @@
 </p:sld>
 </file>
 
-<file path=ppt/slides/slide8.xml><?xml version="1.0" encoding="utf-8"?>
+<file path=ppt/slides/slide9.xml><?xml version="1.0" encoding="utf-8"?>
 <p:sld xmlns:a="http://schemas.openxmlformats.org/drawingml/2006/main" xmlns:r="http://schemas.openxmlformats.org/officeDocument/2006/relationships" xmlns:p="http://schemas.openxmlformats.org/presentationml/2006/main">
   <p:cSld>
     <p:spTree>
@@ -10859,36 +11766,6 @@
           </p:txBody>
         </p:sp>
       </p:grpSp>
-      <p:pic>
-        <p:nvPicPr>
-          <p:cNvPr id="3" name="Picture 2">
-            <a:extLst>
-              <a:ext uri="{FF2B5EF4-FFF2-40B4-BE49-F238E27FC236}">
-                <a16:creationId xmlns:a16="http://schemas.microsoft.com/office/drawing/2014/main" id="{5E5F7B9F-AC36-1ABC-1888-FE18D4960CEF}"/>
-              </a:ext>
-            </a:extLst>
-          </p:cNvPr>
-          <p:cNvPicPr>
-            <a:picLocks noChangeAspect="1"/>
-          </p:cNvPicPr>
-          <p:nvPr/>
-        </p:nvPicPr>
-        <p:blipFill>
-          <a:blip r:embed="rId5"/>
-          <a:stretch>
-            <a:fillRect/>
-          </a:stretch>
-        </p:blipFill>
-        <p:spPr>
-          <a:xfrm>
-            <a:off x="457200" y="1716099"/>
-            <a:ext cx="13563600" cy="8505690"/>
-          </a:xfrm>
-          <a:prstGeom prst="rect">
-            <a:avLst/>
-          </a:prstGeom>
-        </p:spPr>
-      </p:pic>
       <p:sp>
         <p:nvSpPr>
           <p:cNvPr id="6" name="TextBox 5">
@@ -11100,244 +11977,12 @@
           </p:txBody>
         </p:sp>
       </p:grpSp>
-    </p:spTree>
-    <p:extLst>
-      <p:ext uri="{BB962C8B-B14F-4D97-AF65-F5344CB8AC3E}">
-        <p14:creationId xmlns:p14="http://schemas.microsoft.com/office/powerpoint/2010/main" val="1872934952"/>
-      </p:ext>
-    </p:extLst>
-  </p:cSld>
-  <p:clrMapOvr>
-    <a:masterClrMapping/>
-  </p:clrMapOvr>
-</p:sld>
-</file>
-
-<file path=ppt/slides/slide9.xml><?xml version="1.0" encoding="utf-8"?>
-<p:sld xmlns:a="http://schemas.openxmlformats.org/drawingml/2006/main" xmlns:r="http://schemas.openxmlformats.org/officeDocument/2006/relationships" xmlns:p="http://schemas.openxmlformats.org/presentationml/2006/main">
-  <p:cSld>
-    <p:spTree>
-      <p:nvGrpSpPr>
-        <p:cNvPr id="1" name=""/>
-        <p:cNvGrpSpPr/>
-        <p:nvPr/>
-      </p:nvGrpSpPr>
-      <p:grpSpPr>
-        <a:xfrm>
-          <a:off x="0" y="0"/>
-          <a:ext cx="0" cy="0"/>
-          <a:chOff x="0" y="0"/>
-          <a:chExt cx="0" cy="0"/>
-        </a:xfrm>
-      </p:grpSpPr>
-      <p:sp>
-        <p:nvSpPr>
-          <p:cNvPr id="5" name="Freeform 5"/>
-          <p:cNvSpPr/>
-          <p:nvPr/>
-        </p:nvSpPr>
-        <p:spPr>
-          <a:xfrm>
-            <a:off x="9694581" y="-723900"/>
-            <a:ext cx="10233664" cy="10233664"/>
-          </a:xfrm>
-          <a:custGeom>
-            <a:avLst/>
-            <a:gdLst/>
-            <a:ahLst/>
-            <a:cxnLst/>
-            <a:rect l="l" t="t" r="r" b="b"/>
-            <a:pathLst>
-              <a:path w="10233664" h="10233664">
-                <a:moveTo>
-                  <a:pt x="0" y="0"/>
-                </a:moveTo>
-                <a:lnTo>
-                  <a:pt x="10233664" y="0"/>
-                </a:lnTo>
-                <a:lnTo>
-                  <a:pt x="10233664" y="10233664"/>
-                </a:lnTo>
-                <a:lnTo>
-                  <a:pt x="0" y="10233664"/>
-                </a:lnTo>
-                <a:lnTo>
-                  <a:pt x="0" y="0"/>
-                </a:lnTo>
-                <a:close/>
-              </a:path>
-            </a:pathLst>
-          </a:custGeom>
-          <a:blipFill>
-            <a:blip r:embed="rId2">
-              <a:alphaModFix amt="12000"/>
-              <a:extLst>
-                <a:ext uri="{96DAC541-7B7A-43D3-8B79-37D633B846F1}">
-                  <asvg:svgBlip xmlns:asvg="http://schemas.microsoft.com/office/drawing/2016/SVG/main" r:embed="rId3"/>
-                </a:ext>
-              </a:extLst>
-            </a:blip>
-            <a:stretch>
-              <a:fillRect/>
-            </a:stretch>
-          </a:blipFill>
-        </p:spPr>
-        <p:txBody>
-          <a:bodyPr/>
-          <a:lstStyle/>
-          <a:p>
-            <a:endParaRPr lang="en-US"/>
-          </a:p>
-        </p:txBody>
-      </p:sp>
-      <p:sp>
-        <p:nvSpPr>
-          <p:cNvPr id="7" name="TextBox 7"/>
-          <p:cNvSpPr txBox="1"/>
-          <p:nvPr/>
-        </p:nvSpPr>
-        <p:spPr>
-          <a:xfrm>
-            <a:off x="1344737" y="382230"/>
-            <a:ext cx="8210545" cy="936625"/>
-          </a:xfrm>
-          <a:prstGeom prst="rect">
-            <a:avLst/>
-          </a:prstGeom>
-        </p:spPr>
-        <p:txBody>
-          <a:bodyPr lIns="0" tIns="0" rIns="0" bIns="0" rtlCol="0" anchor="t">
-            <a:spAutoFit/>
-          </a:bodyPr>
-          <a:lstStyle/>
-          <a:p>
-            <a:pPr algn="l">
-              <a:lnSpc>
-                <a:spcPts val="7699"/>
-              </a:lnSpc>
-            </a:pPr>
-            <a:r>
-              <a:rPr lang="en-US" sz="5499" dirty="0">
-                <a:solidFill>
-                  <a:srgbClr val="24508C"/>
-                </a:solidFill>
-                <a:latin typeface="Montserrat Ultra-Bold"/>
-                <a:ea typeface="Montserrat Ultra-Bold"/>
-                <a:cs typeface="Montserrat Ultra-Bold"/>
-                <a:sym typeface="Montserrat Ultra-Bold"/>
-              </a:rPr>
-              <a:t>DASHBOARD</a:t>
-            </a:r>
-          </a:p>
-        </p:txBody>
-      </p:sp>
-      <p:grpSp>
-        <p:nvGrpSpPr>
-          <p:cNvPr id="16" name="Group 16"/>
-          <p:cNvGrpSpPr/>
-          <p:nvPr/>
-        </p:nvGrpSpPr>
-        <p:grpSpPr>
-          <a:xfrm>
-            <a:off x="15360148" y="-2923420"/>
-            <a:ext cx="4903912" cy="4903912"/>
-            <a:chOff x="0" y="0"/>
-            <a:chExt cx="812800" cy="812800"/>
-          </a:xfrm>
-        </p:grpSpPr>
-        <p:sp>
-          <p:nvSpPr>
-            <p:cNvPr id="17" name="Freeform 17"/>
-            <p:cNvSpPr/>
-            <p:nvPr/>
-          </p:nvSpPr>
-          <p:spPr>
-            <a:xfrm>
-              <a:off x="0" y="0"/>
-              <a:ext cx="812800" cy="812800"/>
-            </a:xfrm>
-            <a:custGeom>
-              <a:avLst/>
-              <a:gdLst/>
-              <a:ahLst/>
-              <a:cxnLst/>
-              <a:rect l="l" t="t" r="r" b="b"/>
-              <a:pathLst>
-                <a:path w="812800" h="812800">
-                  <a:moveTo>
-                    <a:pt x="406400" y="0"/>
-                  </a:moveTo>
-                  <a:cubicBezTo>
-                    <a:pt x="181951" y="0"/>
-                    <a:pt x="0" y="181951"/>
-                    <a:pt x="0" y="406400"/>
-                  </a:cubicBezTo>
-                  <a:cubicBezTo>
-                    <a:pt x="0" y="630849"/>
-                    <a:pt x="181951" y="812800"/>
-                    <a:pt x="406400" y="812800"/>
-                  </a:cubicBezTo>
-                  <a:cubicBezTo>
-                    <a:pt x="630849" y="812800"/>
-                    <a:pt x="812800" y="630849"/>
-                    <a:pt x="812800" y="406400"/>
-                  </a:cubicBezTo>
-                  <a:cubicBezTo>
-                    <a:pt x="812800" y="181951"/>
-                    <a:pt x="630849" y="0"/>
-                    <a:pt x="406400" y="0"/>
-                  </a:cubicBezTo>
-                  <a:close/>
-                </a:path>
-              </a:pathLst>
-            </a:custGeom>
-            <a:solidFill>
-              <a:srgbClr val="24508C"/>
-            </a:solidFill>
-          </p:spPr>
-          <p:txBody>
-            <a:bodyPr/>
-            <a:lstStyle/>
-            <a:p>
-              <a:endParaRPr lang="en-US"/>
-            </a:p>
-          </p:txBody>
-        </p:sp>
-        <p:sp>
-          <p:nvSpPr>
-            <p:cNvPr id="18" name="TextBox 18"/>
-            <p:cNvSpPr txBox="1"/>
-            <p:nvPr/>
-          </p:nvSpPr>
-          <p:spPr>
-            <a:xfrm>
-              <a:off x="76200" y="38100"/>
-              <a:ext cx="660400" cy="698500"/>
-            </a:xfrm>
-            <a:prstGeom prst="rect">
-              <a:avLst/>
-            </a:prstGeom>
-          </p:spPr>
-          <p:txBody>
-            <a:bodyPr lIns="50800" tIns="50800" rIns="50800" bIns="50800" rtlCol="0" anchor="ctr"/>
-            <a:lstStyle/>
-            <a:p>
-              <a:pPr algn="ctr">
-                <a:lnSpc>
-                  <a:spcPts val="3359"/>
-                </a:lnSpc>
-              </a:pPr>
-              <a:endParaRPr/>
-            </a:p>
-          </p:txBody>
-        </p:sp>
-      </p:grpSp>
       <p:pic>
         <p:nvPicPr>
-          <p:cNvPr id="9" name="Picture 8">
+          <p:cNvPr id="4" name="Picture 3" descr="A screenshot of a computer screen&#10;&#10;Description automatically generated">
             <a:extLst>
               <a:ext uri="{FF2B5EF4-FFF2-40B4-BE49-F238E27FC236}">
-                <a16:creationId xmlns:a16="http://schemas.microsoft.com/office/drawing/2014/main" id="{A1D92DAB-30A2-C68C-47A0-A391B818C692}"/>
+                <a16:creationId xmlns:a16="http://schemas.microsoft.com/office/drawing/2014/main" id="{EC3B59A3-5D4E-D514-E51E-935B44D82F2D}"/>
               </a:ext>
             </a:extLst>
           </p:cNvPr>
@@ -11347,236 +11992,30 @@
           <p:nvPr/>
         </p:nvPicPr>
         <p:blipFill>
-          <a:blip r:embed="rId4"/>
-          <a:stretch>
-            <a:fillRect/>
-          </a:stretch>
+          <a:blip r:embed="rId5">
+            <a:extLst>
+              <a:ext uri="{28A0092B-C50C-407E-A947-70E740481C1C}">
+                <a14:useLocalDpi xmlns:a14="http://schemas.microsoft.com/office/drawing/2010/main" val="0"/>
+              </a:ext>
+            </a:extLst>
+          </a:blip>
+          <a:srcRect b="50000"/>
+          <a:stretch/>
         </p:blipFill>
         <p:spPr>
           <a:xfrm>
-            <a:off x="235190" y="1263944"/>
-            <a:ext cx="15400512" cy="8640825"/>
+            <a:off x="556324" y="1699819"/>
+            <a:ext cx="14226475" cy="7044464"/>
           </a:xfrm>
           <a:prstGeom prst="rect">
             <a:avLst/>
           </a:prstGeom>
         </p:spPr>
       </p:pic>
-      <p:sp>
-        <p:nvSpPr>
-          <p:cNvPr id="10" name="TextBox 9">
-            <a:extLst>
-              <a:ext uri="{FF2B5EF4-FFF2-40B4-BE49-F238E27FC236}">
-                <a16:creationId xmlns:a16="http://schemas.microsoft.com/office/drawing/2014/main" id="{140FAEEE-5C5E-15F3-C45D-7E59743EECC4}"/>
-              </a:ext>
-            </a:extLst>
-          </p:cNvPr>
-          <p:cNvSpPr txBox="1"/>
-          <p:nvPr/>
-        </p:nvSpPr>
-        <p:spPr>
-          <a:xfrm>
-            <a:off x="235190" y="8213238"/>
-            <a:ext cx="16376410" cy="534185"/>
-          </a:xfrm>
-          <a:prstGeom prst="rect">
-            <a:avLst/>
-          </a:prstGeom>
-          <a:noFill/>
-        </p:spPr>
-        <p:txBody>
-          <a:bodyPr wrap="square" rtlCol="0">
-            <a:spAutoFit/>
-          </a:bodyPr>
-          <a:lstStyle/>
-          <a:p>
-            <a:pPr marL="742950" marR="0" lvl="1" indent="-285750">
-              <a:lnSpc>
-                <a:spcPct val="107000"/>
-              </a:lnSpc>
-              <a:spcBef>
-                <a:spcPts val="0"/>
-              </a:spcBef>
-              <a:spcAft>
-                <a:spcPts val="800"/>
-              </a:spcAft>
-              <a:buSzPts val="1000"/>
-              <a:buFont typeface="Courier New" panose="02070309020205020404" pitchFamily="49" charset="0"/>
-              <a:buChar char="o"/>
-              <a:tabLst>
-                <a:tab pos="914400" algn="l"/>
-              </a:tabLst>
-            </a:pPr>
-            <a:r>
-              <a:rPr lang="en-US" sz="2800" b="1" kern="100" dirty="0">
-                <a:solidFill>
-                  <a:schemeClr val="accent1">
-                    <a:lumMod val="50000"/>
-                  </a:schemeClr>
-                </a:solidFill>
-                <a:effectLst/>
-                <a:latin typeface="Aptos" panose="020B0004020202020204" pitchFamily="34" charset="0"/>
-                <a:ea typeface="Aptos" panose="020B0004020202020204" pitchFamily="34" charset="0"/>
-                <a:cs typeface="Times New Roman" panose="02020603050405020304" pitchFamily="18" charset="0"/>
-              </a:rPr>
-              <a:t>Insight</a:t>
-            </a:r>
-            <a:r>
-              <a:rPr lang="en-US" sz="2800" kern="100" dirty="0">
-                <a:solidFill>
-                  <a:schemeClr val="accent1">
-                    <a:lumMod val="50000"/>
-                  </a:schemeClr>
-                </a:solidFill>
-                <a:effectLst/>
-                <a:latin typeface="Aptos" panose="020B0004020202020204" pitchFamily="34" charset="0"/>
-                <a:ea typeface="Aptos" panose="020B0004020202020204" pitchFamily="34" charset="0"/>
-                <a:cs typeface="Times New Roman" panose="02020603050405020304" pitchFamily="18" charset="0"/>
-              </a:rPr>
-              <a:t>:  </a:t>
-            </a:r>
-            <a:r>
-              <a:rPr lang="ar-EG" sz="2800" kern="100" dirty="0">
-                <a:solidFill>
-                  <a:schemeClr val="accent1">
-                    <a:lumMod val="50000"/>
-                  </a:schemeClr>
-                </a:solidFill>
-                <a:effectLst/>
-                <a:latin typeface="Aptos" panose="020B0004020202020204" pitchFamily="34" charset="0"/>
-                <a:ea typeface="Aptos" panose="020B0004020202020204" pitchFamily="34" charset="0"/>
-                <a:cs typeface="Times New Roman" panose="02020603050405020304" pitchFamily="18" charset="0"/>
-              </a:rPr>
-              <a:t>3 </a:t>
-            </a:r>
-            <a:r>
-              <a:rPr lang="en-US" sz="2800" kern="100" dirty="0">
-                <a:solidFill>
-                  <a:schemeClr val="accent1">
-                    <a:lumMod val="50000"/>
-                  </a:schemeClr>
-                </a:solidFill>
-                <a:latin typeface="Aptos" panose="020B0004020202020204" pitchFamily="34" charset="0"/>
-                <a:ea typeface="Aptos" panose="020B0004020202020204" pitchFamily="34" charset="0"/>
-                <a:cs typeface="Times New Roman" panose="02020603050405020304" pitchFamily="18" charset="0"/>
-              </a:rPr>
-              <a:t>top companies sum of impressions don’t require the most cost per mile</a:t>
-            </a:r>
-            <a:endParaRPr lang="en-US" dirty="0">
-              <a:solidFill>
-                <a:schemeClr val="accent1">
-                  <a:lumMod val="50000"/>
-                </a:schemeClr>
-              </a:solidFill>
-            </a:endParaRPr>
-          </a:p>
-        </p:txBody>
-      </p:sp>
-      <p:grpSp>
-        <p:nvGrpSpPr>
-          <p:cNvPr id="11" name="Group 13"/>
-          <p:cNvGrpSpPr/>
-          <p:nvPr/>
-        </p:nvGrpSpPr>
-        <p:grpSpPr>
-          <a:xfrm>
-            <a:off x="-2286000" y="9318766"/>
-            <a:ext cx="3491438" cy="3122967"/>
-            <a:chOff x="0" y="0"/>
-            <a:chExt cx="908700" cy="812800"/>
-          </a:xfrm>
-        </p:grpSpPr>
-        <p:sp>
-          <p:nvSpPr>
-            <p:cNvPr id="12" name="Freeform 14"/>
-            <p:cNvSpPr/>
-            <p:nvPr/>
-          </p:nvSpPr>
-          <p:spPr>
-            <a:xfrm>
-              <a:off x="0" y="0"/>
-              <a:ext cx="908700" cy="812800"/>
-            </a:xfrm>
-            <a:custGeom>
-              <a:avLst/>
-              <a:gdLst/>
-              <a:ahLst/>
-              <a:cxnLst/>
-              <a:rect l="l" t="t" r="r" b="b"/>
-              <a:pathLst>
-                <a:path w="908700" h="812800">
-                  <a:moveTo>
-                    <a:pt x="454350" y="0"/>
-                  </a:moveTo>
-                  <a:cubicBezTo>
-                    <a:pt x="203420" y="0"/>
-                    <a:pt x="0" y="181951"/>
-                    <a:pt x="0" y="406400"/>
-                  </a:cubicBezTo>
-                  <a:cubicBezTo>
-                    <a:pt x="0" y="630849"/>
-                    <a:pt x="203420" y="812800"/>
-                    <a:pt x="454350" y="812800"/>
-                  </a:cubicBezTo>
-                  <a:cubicBezTo>
-                    <a:pt x="705281" y="812800"/>
-                    <a:pt x="908700" y="630849"/>
-                    <a:pt x="908700" y="406400"/>
-                  </a:cubicBezTo>
-                  <a:cubicBezTo>
-                    <a:pt x="908700" y="181951"/>
-                    <a:pt x="705281" y="0"/>
-                    <a:pt x="454350" y="0"/>
-                  </a:cubicBezTo>
-                  <a:close/>
-                </a:path>
-              </a:pathLst>
-            </a:custGeom>
-            <a:solidFill>
-              <a:srgbClr val="24508C"/>
-            </a:solidFill>
-          </p:spPr>
-          <p:txBody>
-            <a:bodyPr/>
-            <a:lstStyle/>
-            <a:p>
-              <a:endParaRPr lang="en-US"/>
-            </a:p>
-          </p:txBody>
-        </p:sp>
-        <p:sp>
-          <p:nvSpPr>
-            <p:cNvPr id="19" name="TextBox 15"/>
-            <p:cNvSpPr txBox="1"/>
-            <p:nvPr/>
-          </p:nvSpPr>
-          <p:spPr>
-            <a:xfrm>
-              <a:off x="85191" y="38100"/>
-              <a:ext cx="738319" cy="698500"/>
-            </a:xfrm>
-            <a:prstGeom prst="rect">
-              <a:avLst/>
-            </a:prstGeom>
-          </p:spPr>
-          <p:txBody>
-            <a:bodyPr lIns="50800" tIns="50800" rIns="50800" bIns="50800" rtlCol="0" anchor="ctr"/>
-            <a:lstStyle/>
-            <a:p>
-              <a:pPr algn="ctr">
-                <a:lnSpc>
-                  <a:spcPts val="3359"/>
-                </a:lnSpc>
-              </a:pPr>
-              <a:endParaRPr/>
-            </a:p>
-          </p:txBody>
-        </p:sp>
-      </p:grpSp>
     </p:spTree>
     <p:extLst>
       <p:ext uri="{BB962C8B-B14F-4D97-AF65-F5344CB8AC3E}">
-        <p14:creationId xmlns:p14="http://schemas.microsoft.com/office/powerpoint/2010/main" val="1300306426"/>
+        <p14:creationId xmlns:p14="http://schemas.microsoft.com/office/powerpoint/2010/main" val="1872934952"/>
       </p:ext>
     </p:extLst>
   </p:cSld>
